--- a/slides/05-two-sample-tests.pptx
+++ b/slides/05-two-sample-tests.pptx
@@ -62,33 +62,33 @@
   <p:notesSz cx="10233025" cy="7102475"/>
   <p:embeddedFontLst>
     <p:embeddedFont>
-      <p:font typeface="Consolas" panose="020B0609020204030204" pitchFamily="49" charset="0"/>
+      <p:font typeface="Calibri" panose="020F0502020204030204" pitchFamily="34" charset="0"/>
       <p:regular r:id="rId50"/>
       <p:bold r:id="rId51"/>
       <p:italic r:id="rId52"/>
       <p:boldItalic r:id="rId53"/>
     </p:embeddedFont>
     <p:embeddedFont>
-      <p:font typeface="Calibri" panose="020F0502020204030204" pitchFamily="34" charset="0"/>
+      <p:font typeface="Cambria Math" panose="02040503050406030204" pitchFamily="18" charset="0"/>
       <p:regular r:id="rId54"/>
-      <p:bold r:id="rId55"/>
-      <p:italic r:id="rId56"/>
-      <p:boldItalic r:id="rId57"/>
+    </p:embeddedFont>
+    <p:embeddedFont>
+      <p:font typeface="Consolas" panose="020B0609020204030204" pitchFamily="49" charset="0"/>
+      <p:regular r:id="rId55"/>
+      <p:bold r:id="rId56"/>
+      <p:italic r:id="rId57"/>
+      <p:boldItalic r:id="rId58"/>
+    </p:embeddedFont>
+    <p:embeddedFont>
+      <p:font typeface="Lucida Console" panose="020B0609040504020204" pitchFamily="49" charset="0"/>
+      <p:regular r:id="rId59"/>
     </p:embeddedFont>
     <p:embeddedFont>
       <p:font typeface="Verdana" panose="020B0604030504040204" pitchFamily="34" charset="0"/>
-      <p:regular r:id="rId58"/>
-      <p:bold r:id="rId59"/>
-      <p:italic r:id="rId60"/>
-      <p:boldItalic r:id="rId61"/>
-    </p:embeddedFont>
-    <p:embeddedFont>
-      <p:font typeface="Cambria Math" panose="02040503050406030204" pitchFamily="18" charset="0"/>
-      <p:regular r:id="rId62"/>
-    </p:embeddedFont>
-    <p:embeddedFont>
-      <p:font typeface="Lucida Console" panose="020B0609040504020204" pitchFamily="49" charset="0"/>
-      <p:regular r:id="rId63"/>
+      <p:regular r:id="rId60"/>
+      <p:bold r:id="rId61"/>
+      <p:italic r:id="rId62"/>
+      <p:boldItalic r:id="rId63"/>
     </p:embeddedFont>
   </p:embeddedFontLst>
   <p:custDataLst>
@@ -206,6 +206,35 @@
     </p:ext>
   </p:extLst>
 </p:presentation>
+</file>
+
+<file path=ppt/changesInfos/changesInfo1.xml><?xml version="1.0" encoding="utf-8"?>
+<pc:chgInfo xmlns:a="http://schemas.openxmlformats.org/drawingml/2006/main" xmlns:r="http://schemas.openxmlformats.org/officeDocument/2006/relationships" xmlns:ac="http://schemas.microsoft.com/office/drawing/2013/main/command" xmlns:pc="http://schemas.microsoft.com/office/powerpoint/2013/main/command">
+  <pc:docChgLst>
+    <pc:chgData name="Emma Rand" userId="ca99d2fc-c0c8-4652-9960-8a576749f5d7" providerId="ADAL" clId="{8AD3E0DD-910F-445F-861C-1FAC0908DF56}"/>
+    <pc:docChg chg="modSld">
+      <pc:chgData name="Emma Rand" userId="ca99d2fc-c0c8-4652-9960-8a576749f5d7" providerId="ADAL" clId="{8AD3E0DD-910F-445F-861C-1FAC0908DF56}" dt="2022-02-14T11:05:26.314" v="0" actId="6549"/>
+      <pc:docMkLst>
+        <pc:docMk/>
+      </pc:docMkLst>
+      <pc:sldChg chg="modSp">
+        <pc:chgData name="Emma Rand" userId="ca99d2fc-c0c8-4652-9960-8a576749f5d7" providerId="ADAL" clId="{8AD3E0DD-910F-445F-861C-1FAC0908DF56}" dt="2022-02-14T11:05:26.314" v="0" actId="6549"/>
+        <pc:sldMkLst>
+          <pc:docMk/>
+          <pc:sldMk cId="3032167161" sldId="400"/>
+        </pc:sldMkLst>
+        <pc:spChg chg="mod">
+          <ac:chgData name="Emma Rand" userId="ca99d2fc-c0c8-4652-9960-8a576749f5d7" providerId="ADAL" clId="{8AD3E0DD-910F-445F-861C-1FAC0908DF56}" dt="2022-02-14T11:05:26.314" v="0" actId="6549"/>
+          <ac:spMkLst>
+            <pc:docMk/>
+            <pc:sldMk cId="3032167161" sldId="400"/>
+            <ac:spMk id="4" creationId="{00000000-0000-0000-0000-000000000000}"/>
+          </ac:spMkLst>
+        </pc:spChg>
+      </pc:sldChg>
+    </pc:docChg>
+  </pc:docChgLst>
+</pc:chgInfo>
 </file>
 
 <file path=ppt/charts/chart1.xml><?xml version="1.0" encoding="utf-8"?>
@@ -597,7 +626,7 @@
           <a:p>
             <a:fld id="{E7915EBF-4EE5-4229-B35D-7175CF23C0E8}" type="datetimeFigureOut">
               <a:rPr lang="en-GB" smtClean="0"/>
-              <a:t>09/02/2021</a:t>
+              <a:t>14/02/2022</a:t>
             </a:fld>
             <a:endParaRPr lang="en-GB"/>
           </a:p>
@@ -762,7 +791,7 @@
           <a:p>
             <a:fld id="{8410BF60-2399-471B-88B8-98E5D19A2C28}" type="datetimeFigureOut">
               <a:rPr lang="en-GB" smtClean="0"/>
-              <a:t>09/02/2021</a:t>
+              <a:t>14/02/2022</a:t>
             </a:fld>
             <a:endParaRPr lang="en-GB"/>
           </a:p>
@@ -1434,15 +1463,15 @@
               <a:defRPr/>
             </a:pPr>
             <a:r>
-              <a:rPr lang="en-GB" altLang="en-US" sz="1200" dirty="0" smtClean="0"/>
+              <a:rPr lang="en-GB" altLang="en-US" sz="1200" dirty="0"/>
               <a:t>don’t overthink. Just gives you idea of what to expect and helps identify issues (missing data, outliers </a:t>
             </a:r>
             <a:r>
-              <a:rPr lang="en-GB" altLang="en-US" sz="1200" dirty="0" err="1" smtClean="0"/>
+              <a:rPr lang="en-GB" altLang="en-US" sz="1200" dirty="0" err="1"/>
               <a:t>etc</a:t>
             </a:r>
             <a:r>
-              <a:rPr lang="en-GB" altLang="en-US" sz="1200" dirty="0" smtClean="0"/>
+              <a:rPr lang="en-GB" altLang="en-US" sz="1200" dirty="0"/>
               <a:t>).</a:t>
             </a:r>
           </a:p>
@@ -1464,7 +1493,7 @@
               <a:tabLst/>
               <a:defRPr/>
             </a:pPr>
-            <a:endParaRPr lang="en-GB" altLang="en-US" sz="1200" dirty="0" smtClean="0"/>
+            <a:endParaRPr lang="en-GB" altLang="en-US" sz="1200" dirty="0"/>
           </a:p>
           <a:p>
             <a:pPr marL="0" marR="0" lvl="0" indent="0" algn="l" defTabSz="914400" rtl="0" eaLnBrk="1" fontAlgn="auto" latinLnBrk="0" hangingPunct="1">
@@ -1485,18 +1514,18 @@
               <a:defRPr/>
             </a:pPr>
             <a:r>
-              <a:rPr lang="en-GB" altLang="en-US" sz="1200" dirty="0" smtClean="0"/>
+              <a:rPr lang="en-GB" altLang="en-US" sz="1200" dirty="0"/>
               <a:t>So </a:t>
             </a:r>
             <a:r>
-              <a:rPr lang="en-GB" altLang="en-US" sz="1200" dirty="0" err="1" smtClean="0"/>
+              <a:rPr lang="en-GB" altLang="en-US" sz="1200" dirty="0" err="1"/>
               <a:t>canariensis</a:t>
             </a:r>
             <a:r>
-              <a:rPr lang="en-GB" altLang="en-US" sz="1200" baseline="0" dirty="0" smtClean="0"/>
+              <a:rPr lang="en-GB" altLang="en-US" sz="1200" baseline="0" dirty="0"/>
               <a:t> seem a little bigger</a:t>
             </a:r>
-            <a:endParaRPr lang="en-GB" altLang="en-US" sz="1200" dirty="0" smtClean="0"/>
+            <a:endParaRPr lang="en-GB" altLang="en-US" sz="1200" dirty="0"/>
           </a:p>
           <a:p>
             <a:endParaRPr lang="en-GB" dirty="0"/>
@@ -7288,13 +7317,13 @@
           <a:lstStyle/>
           <a:p>
             <a:r>
-              <a:rPr lang="en-GB" dirty="0" smtClean="0"/>
+              <a:rPr lang="en-GB" dirty="0"/>
               <a:t>https://onlinelibrary.wiley.com/doi/abs/10.1111/jav.01885</a:t>
             </a:r>
           </a:p>
           <a:p>
             <a:r>
-              <a:rPr lang="en-GB" sz="1200" b="1" i="0" kern="1200" dirty="0" smtClean="0">
+              <a:rPr lang="en-GB" sz="1200" b="1" i="0" kern="1200" dirty="0">
                 <a:solidFill>
                   <a:schemeClr val="tx1"/>
                 </a:solidFill>
@@ -7306,7 +7335,7 @@
               <a:t>Acoustic, genetic, and morphological analyses of the </a:t>
             </a:r>
             <a:r>
-              <a:rPr lang="en-GB" sz="1200" b="1" i="0" kern="1200" dirty="0" err="1" smtClean="0">
+              <a:rPr lang="en-GB" sz="1200" b="1" i="0" kern="1200" dirty="0" err="1">
                 <a:solidFill>
                   <a:schemeClr val="tx1"/>
                 </a:solidFill>
@@ -7318,7 +7347,7 @@
               <a:t>Canarian</a:t>
             </a:r>
             <a:r>
-              <a:rPr lang="en-GB" sz="1200" b="1" i="0" kern="1200" dirty="0" smtClean="0">
+              <a:rPr lang="en-GB" sz="1200" b="1" i="0" kern="1200" dirty="0">
                 <a:solidFill>
                   <a:schemeClr val="tx1"/>
                 </a:solidFill>
@@ -7330,7 +7359,7 @@
               <a:t> common chaffinch complex </a:t>
             </a:r>
             <a:r>
-              <a:rPr lang="en-GB" sz="1200" b="1" i="1" kern="1200" dirty="0" err="1" smtClean="0">
+              <a:rPr lang="en-GB" sz="1200" b="1" i="1" kern="1200" dirty="0" err="1">
                 <a:solidFill>
                   <a:schemeClr val="tx1"/>
                 </a:solidFill>
@@ -7342,7 +7371,7 @@
               <a:t>Fringilla</a:t>
             </a:r>
             <a:r>
-              <a:rPr lang="en-GB" sz="1200" b="1" i="1" kern="1200" dirty="0" smtClean="0">
+              <a:rPr lang="en-GB" sz="1200" b="1" i="1" kern="1200" dirty="0">
                 <a:solidFill>
                   <a:schemeClr val="tx1"/>
                 </a:solidFill>
@@ -7354,7 +7383,7 @@
               <a:t> </a:t>
             </a:r>
             <a:r>
-              <a:rPr lang="en-GB" sz="1200" b="1" i="1" kern="1200" dirty="0" err="1" smtClean="0">
+              <a:rPr lang="en-GB" sz="1200" b="1" i="1" kern="1200" dirty="0" err="1">
                 <a:solidFill>
                   <a:schemeClr val="tx1"/>
                 </a:solidFill>
@@ -7366,7 +7395,7 @@
               <a:t>coelebs</a:t>
             </a:r>
             <a:r>
-              <a:rPr lang="en-GB" sz="1200" b="1" i="0" kern="1200" dirty="0" smtClean="0">
+              <a:rPr lang="en-GB" sz="1200" b="1" i="0" kern="1200" dirty="0">
                 <a:solidFill>
                   <a:schemeClr val="tx1"/>
                 </a:solidFill>
@@ -7380,7 +7409,7 @@
           </a:p>
           <a:p>
             <a:r>
-              <a:rPr lang="en-GB" sz="1200" b="0" i="0" u="none" strike="noStrike" kern="1200" dirty="0" smtClean="0">
+              <a:rPr lang="en-GB" sz="1200" b="0" i="0" u="none" strike="noStrike" kern="1200" dirty="0">
                 <a:solidFill>
                   <a:schemeClr val="tx1"/>
                 </a:solidFill>
@@ -7393,7 +7422,7 @@
               <a:t>Juan Carlos </a:t>
             </a:r>
             <a:r>
-              <a:rPr lang="en-GB" sz="1200" b="0" i="0" u="none" strike="noStrike" kern="1200" dirty="0" err="1" smtClean="0">
+              <a:rPr lang="en-GB" sz="1200" b="0" i="0" u="none" strike="noStrike" kern="1200" dirty="0" err="1">
                 <a:solidFill>
                   <a:schemeClr val="tx1"/>
                 </a:solidFill>
@@ -7406,7 +7435,7 @@
               <a:t>Illera</a:t>
             </a:r>
             <a:r>
-              <a:rPr lang="en-GB" sz="1200" b="0" i="0" kern="1200" dirty="0" smtClean="0">
+              <a:rPr lang="en-GB" sz="1200" b="0" i="0" kern="1200" dirty="0">
                 <a:solidFill>
                   <a:schemeClr val="tx1"/>
                 </a:solidFill>
@@ -7420,7 +7449,7 @@
           </a:p>
           <a:p>
             <a:r>
-              <a:rPr lang="en-GB" sz="1200" b="0" i="0" kern="1200" dirty="0" smtClean="0">
+              <a:rPr lang="en-GB" sz="1200" b="0" i="0" kern="1200" dirty="0">
                 <a:solidFill>
                   <a:schemeClr val="tx1"/>
                 </a:solidFill>
@@ -7432,7 +7461,7 @@
               <a:t> </a:t>
             </a:r>
             <a:r>
-              <a:rPr lang="en-GB" sz="1200" b="0" i="0" u="none" strike="noStrike" kern="1200" dirty="0" smtClean="0">
+              <a:rPr lang="en-GB" sz="1200" b="0" i="0" u="none" strike="noStrike" kern="1200" dirty="0">
                 <a:solidFill>
                   <a:schemeClr val="tx1"/>
                 </a:solidFill>
@@ -7445,7 +7474,7 @@
               <a:t>Juan Carlos Rando</a:t>
             </a:r>
             <a:r>
-              <a:rPr lang="en-GB" sz="1200" b="0" i="0" kern="1200" dirty="0" smtClean="0">
+              <a:rPr lang="en-GB" sz="1200" b="0" i="0" kern="1200" dirty="0">
                 <a:solidFill>
                   <a:schemeClr val="tx1"/>
                 </a:solidFill>
@@ -7459,7 +7488,7 @@
           </a:p>
           <a:p>
             <a:r>
-              <a:rPr lang="en-GB" sz="1200" b="0" i="0" kern="1200" dirty="0" smtClean="0">
+              <a:rPr lang="en-GB" sz="1200" b="0" i="0" kern="1200" dirty="0">
                 <a:solidFill>
                   <a:schemeClr val="tx1"/>
                 </a:solidFill>
@@ -7471,7 +7500,7 @@
               <a:t> </a:t>
             </a:r>
             <a:r>
-              <a:rPr lang="en-GB" sz="1200" b="0" i="0" u="none" strike="noStrike" kern="1200" dirty="0" smtClean="0">
+              <a:rPr lang="en-GB" sz="1200" b="0" i="0" u="none" strike="noStrike" kern="1200" dirty="0">
                 <a:solidFill>
                   <a:schemeClr val="tx1"/>
                 </a:solidFill>
@@ -7484,7 +7513,7 @@
               <a:t>Eduardo Rodriguez‐</a:t>
             </a:r>
             <a:r>
-              <a:rPr lang="en-GB" sz="1200" b="0" i="0" u="none" strike="noStrike" kern="1200" dirty="0" err="1" smtClean="0">
+              <a:rPr lang="en-GB" sz="1200" b="0" i="0" u="none" strike="noStrike" kern="1200" dirty="0" err="1">
                 <a:solidFill>
                   <a:schemeClr val="tx1"/>
                 </a:solidFill>
@@ -7497,7 +7526,7 @@
               <a:t>Exposito</a:t>
             </a:r>
             <a:r>
-              <a:rPr lang="en-GB" sz="1200" b="0" i="0" kern="1200" dirty="0" smtClean="0">
+              <a:rPr lang="en-GB" sz="1200" b="0" i="0" kern="1200" dirty="0">
                 <a:solidFill>
                   <a:schemeClr val="tx1"/>
                 </a:solidFill>
@@ -7511,7 +7540,7 @@
           </a:p>
           <a:p>
             <a:r>
-              <a:rPr lang="en-GB" sz="1200" b="0" i="0" kern="1200" dirty="0" smtClean="0">
+              <a:rPr lang="en-GB" sz="1200" b="0" i="0" kern="1200" dirty="0">
                 <a:solidFill>
                   <a:schemeClr val="tx1"/>
                 </a:solidFill>
@@ -7523,7 +7552,7 @@
               <a:t> </a:t>
             </a:r>
             <a:r>
-              <a:rPr lang="en-GB" sz="1200" b="0" i="0" u="none" strike="noStrike" kern="1200" dirty="0" smtClean="0">
+              <a:rPr lang="en-GB" sz="1200" b="0" i="0" u="none" strike="noStrike" kern="1200" dirty="0">
                 <a:solidFill>
                   <a:schemeClr val="tx1"/>
                 </a:solidFill>
@@ -7536,7 +7565,7 @@
               <a:t>Mariano Hernández</a:t>
             </a:r>
             <a:r>
-              <a:rPr lang="en-GB" sz="1200" b="0" i="0" kern="1200" dirty="0" smtClean="0">
+              <a:rPr lang="en-GB" sz="1200" b="0" i="0" kern="1200" dirty="0">
                 <a:solidFill>
                   <a:schemeClr val="tx1"/>
                 </a:solidFill>
@@ -7550,7 +7579,7 @@
           </a:p>
           <a:p>
             <a:r>
-              <a:rPr lang="en-GB" sz="1200" b="0" i="0" kern="1200" dirty="0" smtClean="0">
+              <a:rPr lang="en-GB" sz="1200" b="0" i="0" kern="1200" dirty="0">
                 <a:solidFill>
                   <a:schemeClr val="tx1"/>
                 </a:solidFill>
@@ -7562,7 +7591,7 @@
               <a:t> </a:t>
             </a:r>
             <a:r>
-              <a:rPr lang="en-GB" sz="1200" b="0" i="0" u="none" strike="noStrike" kern="1200" dirty="0" smtClean="0">
+              <a:rPr lang="en-GB" sz="1200" b="0" i="0" u="none" strike="noStrike" kern="1200" dirty="0">
                 <a:solidFill>
                   <a:schemeClr val="tx1"/>
                 </a:solidFill>
@@ -7575,7 +7604,7 @@
               <a:t>Santiago </a:t>
             </a:r>
             <a:r>
-              <a:rPr lang="en-GB" sz="1200" b="0" i="0" u="none" strike="noStrike" kern="1200" dirty="0" err="1" smtClean="0">
+              <a:rPr lang="en-GB" sz="1200" b="0" i="0" u="none" strike="noStrike" kern="1200" dirty="0" err="1">
                 <a:solidFill>
                   <a:schemeClr val="tx1"/>
                 </a:solidFill>
@@ -7588,7 +7617,7 @@
               <a:t>Claramunt</a:t>
             </a:r>
             <a:r>
-              <a:rPr lang="en-GB" sz="1200" b="0" i="0" kern="1200" dirty="0" smtClean="0">
+              <a:rPr lang="en-GB" sz="1200" b="0" i="0" kern="1200" dirty="0">
                 <a:solidFill>
                   <a:schemeClr val="tx1"/>
                 </a:solidFill>
@@ -7602,7 +7631,7 @@
           </a:p>
           <a:p>
             <a:r>
-              <a:rPr lang="en-GB" sz="1200" b="0" i="0" kern="1200" dirty="0" smtClean="0">
+              <a:rPr lang="en-GB" sz="1200" b="0" i="0" kern="1200" dirty="0">
                 <a:solidFill>
                   <a:schemeClr val="tx1"/>
                 </a:solidFill>
@@ -7614,7 +7643,7 @@
               <a:t> </a:t>
             </a:r>
             <a:r>
-              <a:rPr lang="en-GB" sz="1200" b="0" i="0" u="none" strike="noStrike" kern="1200" dirty="0" smtClean="0">
+              <a:rPr lang="en-GB" sz="1200" b="0" i="0" u="none" strike="noStrike" kern="1200" dirty="0">
                 <a:solidFill>
                   <a:schemeClr val="tx1"/>
                 </a:solidFill>
@@ -7626,7 +7655,7 @@
               </a:rPr>
               <a:t>Aurelio Martín</a:t>
             </a:r>
-            <a:endParaRPr lang="en-GB" sz="1200" b="0" i="0" kern="1200" dirty="0" smtClean="0">
+            <a:endParaRPr lang="en-GB" sz="1200" b="0" i="0" kern="1200" dirty="0">
               <a:solidFill>
                 <a:schemeClr val="tx1"/>
               </a:solidFill>
@@ -8117,7 +8146,7 @@
           <a:p>
             <a:fld id="{8D8741C9-1E1B-4FF3-A7E9-1243E9823EB4}" type="datetime1">
               <a:rPr lang="en-US" smtClean="0"/>
-              <a:t>2/9/2021</a:t>
+              <a:t>2/14/2022</a:t>
             </a:fld>
             <a:endParaRPr lang="en-US"/>
           </a:p>
@@ -8281,7 +8310,7 @@
           <a:p>
             <a:fld id="{A612FBD6-812A-4416-A980-4B9119C35DA5}" type="datetime1">
               <a:rPr lang="en-US" smtClean="0"/>
-              <a:t>2/9/2021</a:t>
+              <a:t>2/14/2022</a:t>
             </a:fld>
             <a:endParaRPr lang="en-US"/>
           </a:p>
@@ -8455,7 +8484,7 @@
           <a:p>
             <a:fld id="{36BDB8FA-BBB8-495B-B161-4F7BDFDDEDA3}" type="datetime1">
               <a:rPr lang="en-US" smtClean="0"/>
-              <a:t>2/9/2021</a:t>
+              <a:t>2/14/2022</a:t>
             </a:fld>
             <a:endParaRPr lang="en-US"/>
           </a:p>
@@ -8621,7 +8650,7 @@
           <a:p>
             <a:fld id="{E20C214B-656F-4D67-9F4A-70D59F6620AC}" type="datetime1">
               <a:rPr lang="en-US" smtClean="0"/>
-              <a:t>2/9/2021</a:t>
+              <a:t>2/14/2022</a:t>
             </a:fld>
             <a:endParaRPr lang="en-US"/>
           </a:p>
@@ -8740,7 +8769,7 @@
           <a:p>
             <a:fld id="{E20C214B-656F-4D67-9F4A-70D59F6620AC}" type="datetime1">
               <a:rPr lang="en-US" smtClean="0"/>
-              <a:t>2/9/2021</a:t>
+              <a:t>2/14/2022</a:t>
             </a:fld>
             <a:endParaRPr lang="en-US"/>
           </a:p>
@@ -8931,7 +8960,7 @@
           <a:p>
             <a:fld id="{C75385EC-3DC5-4FB3-BD46-054AE38A1DA3}" type="datetime1">
               <a:rPr lang="en-US" smtClean="0"/>
-              <a:t>2/9/2021</a:t>
+              <a:t>2/14/2022</a:t>
             </a:fld>
             <a:endParaRPr lang="en-US"/>
           </a:p>
@@ -9172,7 +9201,7 @@
           <a:p>
             <a:fld id="{2F304D26-DE6E-4F1A-B4D1-9E6E5BEF65E2}" type="datetime1">
               <a:rPr lang="en-US" smtClean="0"/>
-              <a:t>2/9/2021</a:t>
+              <a:t>2/14/2022</a:t>
             </a:fld>
             <a:endParaRPr lang="en-US"/>
           </a:p>
@@ -9453,7 +9482,7 @@
           <a:p>
             <a:fld id="{20DF7611-242A-4AB8-BF3D-8696A364C66C}" type="datetime1">
               <a:rPr lang="en-US" smtClean="0"/>
-              <a:t>2/9/2021</a:t>
+              <a:t>2/14/2022</a:t>
             </a:fld>
             <a:endParaRPr lang="en-US"/>
           </a:p>
@@ -9868,7 +9897,7 @@
           <a:p>
             <a:fld id="{DBB8C006-CEDD-4D5A-BF40-3F5AD76685BA}" type="datetime1">
               <a:rPr lang="en-US" smtClean="0"/>
-              <a:t>2/9/2021</a:t>
+              <a:t>2/14/2022</a:t>
             </a:fld>
             <a:endParaRPr lang="en-US"/>
           </a:p>
@@ -9981,7 +10010,7 @@
           <a:p>
             <a:fld id="{203F5178-2C49-4CC5-9BF1-3EA0F730AC68}" type="datetime1">
               <a:rPr lang="en-US" smtClean="0"/>
-              <a:t>2/9/2021</a:t>
+              <a:t>2/14/2022</a:t>
             </a:fld>
             <a:endParaRPr lang="en-US"/>
           </a:p>
@@ -10072,7 +10101,7 @@
           <a:p>
             <a:fld id="{CB5083F6-940C-434A-A58D-C14A68B618CE}" type="datetime1">
               <a:rPr lang="en-US" smtClean="0"/>
-              <a:t>2/9/2021</a:t>
+              <a:t>2/14/2022</a:t>
             </a:fld>
             <a:endParaRPr lang="en-US"/>
           </a:p>
@@ -10343,7 +10372,7 @@
           <a:p>
             <a:fld id="{6B69DB20-2F70-429C-8D6F-BD64D4D77F86}" type="datetime1">
               <a:rPr lang="en-US" smtClean="0"/>
-              <a:t>2/9/2021</a:t>
+              <a:t>2/14/2022</a:t>
             </a:fld>
             <a:endParaRPr lang="en-US"/>
           </a:p>
@@ -10591,7 +10620,7 @@
           <a:p>
             <a:fld id="{C1CA00C8-74D9-48C2-9E25-45761229EB05}" type="datetime1">
               <a:rPr lang="en-US" smtClean="0"/>
-              <a:t>2/9/2021</a:t>
+              <a:t>2/14/2022</a:t>
             </a:fld>
             <a:endParaRPr lang="en-US"/>
           </a:p>
@@ -10798,7 +10827,7 @@
           <a:p>
             <a:fld id="{E20C214B-656F-4D67-9F4A-70D59F6620AC}" type="datetime1">
               <a:rPr lang="en-US" smtClean="0"/>
-              <a:t>2/9/2021</a:t>
+              <a:t>2/14/2022</a:t>
             </a:fld>
             <a:endParaRPr lang="en-US"/>
           </a:p>
@@ -11200,7 +11229,6 @@
               <a:rPr lang="en-GB" dirty="0"/>
               <a:t>Data Analysis in R</a:t>
             </a:r>
-            <a:endParaRPr lang="en-GB" dirty="0"/>
           </a:p>
         </p:txBody>
       </p:sp>
@@ -11227,18 +11255,9 @@
           <a:lstStyle/>
           <a:p>
             <a:r>
-              <a:rPr lang="en-GB" dirty="0" smtClean="0"/>
-              <a:t>Week 6 Two </a:t>
-            </a:r>
-            <a:r>
               <a:rPr lang="en-GB" dirty="0"/>
-              <a:t>sample </a:t>
-            </a:r>
-            <a:r>
-              <a:rPr lang="en-GB" dirty="0" smtClean="0"/>
-              <a:t>tests</a:t>
-            </a:r>
-            <a:endParaRPr lang="en-GB" dirty="0"/>
+              <a:t>Week 6 Two sample tests</a:t>
+            </a:r>
           </a:p>
         </p:txBody>
       </p:sp>
@@ -11312,13 +11331,6 @@
   <p:clrMapOvr>
     <a:masterClrMapping/>
   </p:clrMapOvr>
-  <p:timing>
-    <p:tnLst>
-      <p:par>
-        <p:cTn id="1" dur="indefinite" restart="never" nodeType="tmRoot"/>
-      </p:par>
-    </p:tnLst>
-  </p:timing>
 </p:sld>
 </file>
 
@@ -11641,10 +11653,6 @@
               <a:rPr lang="en-GB" altLang="en-US" sz="2800" dirty="0"/>
               <a:t>-tests</a:t>
             </a:r>
-            <a:r>
-              <a:rPr lang="en-GB" altLang="en-US" dirty="0"/>
-              <a:t/>
-            </a:r>
             <a:br>
               <a:rPr lang="en-GB" altLang="en-US" dirty="0"/>
             </a:br>
@@ -11653,14 +11661,13 @@
               <a:t>Paired-sample </a:t>
             </a:r>
             <a:r>
-              <a:rPr lang="en-GB" altLang="en-US" i="1" dirty="0" smtClean="0"/>
+              <a:rPr lang="en-GB" altLang="en-US" i="1" dirty="0"/>
               <a:t>t-</a:t>
             </a:r>
             <a:r>
-              <a:rPr lang="en-GB" altLang="en-US" dirty="0" smtClean="0"/>
+              <a:rPr lang="en-GB" altLang="en-US" dirty="0"/>
               <a:t>tests</a:t>
             </a:r>
-            <a:endParaRPr lang="en-GB" altLang="en-US" dirty="0"/>
           </a:p>
         </p:txBody>
       </p:sp>
@@ -11831,7 +11838,7 @@
               <a:defRPr/>
             </a:pPr>
             <a:r>
-              <a:rPr lang="en-GB" dirty="0" smtClean="0"/>
+              <a:rPr lang="en-GB" dirty="0"/>
               <a:t>Two samples but values are not independent.</a:t>
             </a:r>
           </a:p>
@@ -11841,7 +11848,7 @@
               <a:defRPr/>
             </a:pPr>
             <a:r>
-              <a:rPr lang="en-GB" dirty="0" smtClean="0"/>
+              <a:rPr lang="en-GB" dirty="0"/>
               <a:t>They could be </a:t>
             </a:r>
           </a:p>
@@ -11850,7 +11857,7 @@
               <a:defRPr/>
             </a:pPr>
             <a:r>
-              <a:rPr lang="en-GB" dirty="0" smtClean="0"/>
+              <a:rPr lang="en-GB" dirty="0"/>
               <a:t>Same individual</a:t>
             </a:r>
           </a:p>
@@ -11859,7 +11866,7 @@
               <a:defRPr/>
             </a:pPr>
             <a:r>
-              <a:rPr lang="en-GB" dirty="0" smtClean="0"/>
+              <a:rPr lang="en-GB" dirty="0"/>
               <a:t>Same time or location</a:t>
             </a:r>
           </a:p>
@@ -11869,7 +11876,7 @@
               <a:defRPr/>
             </a:pPr>
             <a:r>
-              <a:rPr lang="en-GB" dirty="0" smtClean="0"/>
+              <a:rPr lang="en-GB" dirty="0"/>
               <a:t>Key: do pairs of observations have something in common that make them more similar to each other than to other observations.</a:t>
             </a:r>
           </a:p>
@@ -11878,25 +11885,25 @@
               <a:buNone/>
               <a:defRPr/>
             </a:pPr>
-            <a:endParaRPr lang="en-GB" dirty="0" smtClean="0"/>
+            <a:endParaRPr lang="en-GB" dirty="0"/>
           </a:p>
           <a:p>
             <a:pPr>
               <a:defRPr/>
             </a:pPr>
-            <a:endParaRPr lang="en-GB" dirty="0" smtClean="0"/>
+            <a:endParaRPr lang="en-GB" dirty="0"/>
           </a:p>
           <a:p>
             <a:pPr>
               <a:defRPr/>
             </a:pPr>
-            <a:endParaRPr lang="en-GB" dirty="0" smtClean="0"/>
+            <a:endParaRPr lang="en-GB" dirty="0"/>
           </a:p>
           <a:p>
             <a:pPr>
               <a:defRPr/>
             </a:pPr>
-            <a:endParaRPr lang="en-GB" dirty="0" smtClean="0"/>
+            <a:endParaRPr lang="en-GB" dirty="0"/>
           </a:p>
           <a:p>
             <a:pPr marL="0" indent="0">
@@ -11904,13 +11911,13 @@
               <a:buNone/>
               <a:defRPr/>
             </a:pPr>
-            <a:endParaRPr lang="en-GB" dirty="0" smtClean="0"/>
+            <a:endParaRPr lang="en-GB" dirty="0"/>
           </a:p>
           <a:p>
             <a:pPr>
               <a:defRPr/>
             </a:pPr>
-            <a:endParaRPr lang="en-GB" dirty="0" smtClean="0"/>
+            <a:endParaRPr lang="en-GB" dirty="0"/>
           </a:p>
           <a:p>
             <a:pPr marL="0" indent="0">
@@ -11918,7 +11925,7 @@
               <a:buNone/>
               <a:defRPr/>
             </a:pPr>
-            <a:endParaRPr lang="en-GB" dirty="0" smtClean="0"/>
+            <a:endParaRPr lang="en-GB" dirty="0"/>
           </a:p>
           <a:p>
             <a:pPr marL="342900" lvl="1" indent="-342900">
@@ -11927,7 +11934,7 @@
               </a:buClr>
               <a:defRPr/>
             </a:pPr>
-            <a:endParaRPr lang="en-GB" dirty="0" smtClean="0"/>
+            <a:endParaRPr lang="en-GB" dirty="0"/>
           </a:p>
           <a:p>
             <a:pPr lvl="1">
@@ -11949,13 +11956,6 @@
   <p:clrMapOvr>
     <a:masterClrMapping/>
   </p:clrMapOvr>
-  <p:timing>
-    <p:tnLst>
-      <p:par>
-        <p:cTn id="1" dur="indefinite" restart="never" nodeType="tmRoot"/>
-      </p:par>
-    </p:tnLst>
-  </p:timing>
 </p:sld>
 </file>
 
@@ -12054,23 +12054,7 @@
             </a:pPr>
             <a:r>
               <a:rPr lang="en-GB" sz="3600" dirty="0"/>
-              <a:t>Example: is there a </a:t>
-            </a:r>
-            <a:r>
-              <a:rPr lang="en-GB" sz="3600" dirty="0" smtClean="0"/>
-              <a:t>difference </a:t>
-            </a:r>
-            <a:r>
-              <a:rPr lang="en-GB" sz="3600" dirty="0"/>
-              <a:t>between the masses of </a:t>
-            </a:r>
-            <a:r>
-              <a:rPr lang="en-GB" sz="3600" dirty="0" smtClean="0"/>
-              <a:t>different subspecies of chaffinches</a:t>
-            </a:r>
-            <a:r>
-              <a:rPr lang="en-GB" sz="3600" dirty="0"/>
-              <a:t>?</a:t>
+              <a:t>Example: is there a difference between the masses of different subspecies of chaffinches?</a:t>
             </a:r>
           </a:p>
           <a:p>
@@ -12118,13 +12102,6 @@
   <p:clrMapOvr>
     <a:masterClrMapping/>
   </p:clrMapOvr>
-  <p:timing>
-    <p:tnLst>
-      <p:par>
-        <p:cTn id="1" dur="indefinite" restart="never" nodeType="tmRoot"/>
-      </p:par>
-    </p:tnLst>
-  </p:timing>
 </p:sld>
 </file>
 
@@ -12169,43 +12146,27 @@
           <a:p>
             <a:pPr algn="l"/>
             <a:r>
-              <a:rPr lang="en-GB" sz="3600" dirty="0" smtClean="0"/>
-              <a:t>Is </a:t>
-            </a:r>
-            <a:r>
               <a:rPr lang="en-GB" sz="3600" dirty="0"/>
-              <a:t>there a difference between the masses of different subspecies of chaffinches?</a:t>
+              <a:t>Is there a difference between the masses of different subspecies of chaffinches?</a:t>
             </a:r>
             <a:br>
               <a:rPr lang="en-GB" sz="3600" dirty="0"/>
             </a:br>
-            <a:r>
-              <a:rPr lang="en-GB" altLang="en-US" sz="3600" dirty="0"/>
-              <a:t/>
-            </a:r>
             <a:br>
               <a:rPr lang="en-GB" altLang="en-US" sz="3600" dirty="0"/>
             </a:br>
-            <a:r>
-              <a:rPr lang="en-GB" altLang="en-US" sz="3600" dirty="0" smtClean="0"/>
-              <a:t/>
-            </a:r>
-            <a:br>
-              <a:rPr lang="en-GB" altLang="en-US" sz="3600" dirty="0" smtClean="0"/>
-            </a:br>
-            <a:r>
-              <a:rPr lang="en-GB" altLang="en-US" sz="3600" dirty="0"/>
-              <a:t/>
-            </a:r>
             <a:br>
               <a:rPr lang="en-GB" altLang="en-US" sz="3600" dirty="0"/>
             </a:br>
-            <a:r>
-              <a:rPr lang="en-GB" altLang="en-US" sz="3600" dirty="0" err="1" smtClean="0"/>
+            <a:br>
+              <a:rPr lang="en-GB" altLang="en-US" sz="3600" dirty="0"/>
+            </a:br>
+            <a:r>
+              <a:rPr lang="en-GB" altLang="en-US" sz="3600" dirty="0" err="1"/>
               <a:t>n.b.</a:t>
             </a:r>
             <a:r>
-              <a:rPr lang="en-GB" altLang="en-US" sz="3600" dirty="0" smtClean="0"/>
+              <a:rPr lang="en-GB" altLang="en-US" sz="3600" dirty="0"/>
               <a:t> tidy data</a:t>
             </a:r>
             <a:endParaRPr lang="en-GB" altLang="en-US" sz="3600" dirty="0">
@@ -12518,26 +12479,21 @@
               <a:rPr lang="en-GB" altLang="en-US" sz="2800" dirty="0"/>
               <a:t>-tests</a:t>
             </a:r>
-            <a:r>
-              <a:rPr lang="en-GB" altLang="en-US" dirty="0"/>
-              <a:t/>
-            </a:r>
             <a:br>
               <a:rPr lang="en-GB" altLang="en-US" dirty="0"/>
             </a:br>
             <a:r>
-              <a:rPr lang="en-GB" altLang="en-US" dirty="0" smtClean="0"/>
+              <a:rPr lang="en-GB" altLang="en-US" dirty="0"/>
               <a:t>two-sample </a:t>
             </a:r>
             <a:r>
-              <a:rPr lang="en-GB" altLang="en-US" i="1" dirty="0" smtClean="0"/>
+              <a:rPr lang="en-GB" altLang="en-US" i="1" dirty="0"/>
               <a:t>t-</a:t>
             </a:r>
             <a:r>
-              <a:rPr lang="en-GB" altLang="en-US" dirty="0" smtClean="0"/>
+              <a:rPr lang="en-GB" altLang="en-US" dirty="0"/>
               <a:t>test</a:t>
             </a:r>
-            <a:endParaRPr lang="en-GB" altLang="en-US" dirty="0"/>
           </a:p>
         </p:txBody>
       </p:sp>
@@ -12586,17 +12542,16 @@
           <a:p>
             <a:pPr algn="l"/>
             <a:r>
-              <a:rPr lang="en-GB" altLang="en-US" sz="3600" dirty="0" smtClean="0"/>
+              <a:rPr lang="en-GB" altLang="en-US" sz="3600" dirty="0"/>
               <a:t>No link</a:t>
             </a:r>
           </a:p>
           <a:p>
             <a:pPr algn="l"/>
             <a:r>
-              <a:rPr lang="en-GB" altLang="en-US" sz="3600" dirty="0" smtClean="0"/>
+              <a:rPr lang="en-GB" altLang="en-US" sz="3600" dirty="0"/>
               <a:t>Could reorder</a:t>
             </a:r>
-            <a:endParaRPr lang="en-GB" altLang="en-US" sz="3600" dirty="0"/>
           </a:p>
         </p:txBody>
       </p:sp>
@@ -12707,13 +12662,6 @@
   <p:clrMapOvr>
     <a:masterClrMapping/>
   </p:clrMapOvr>
-  <p:timing>
-    <p:tnLst>
-      <p:par>
-        <p:cTn id="1" dur="indefinite" restart="never" nodeType="tmRoot"/>
-      </p:par>
-    </p:tnLst>
-  </p:timing>
 </p:sld>
 </file>
 
@@ -12751,11 +12699,7 @@
           <a:p>
             <a:r>
               <a:rPr lang="en-US" dirty="0"/>
-              <a:t>The </a:t>
-            </a:r>
-            <a:r>
-              <a:rPr lang="en-US" dirty="0" smtClean="0"/>
-              <a:t>two-sample </a:t>
+              <a:t>The two-sample </a:t>
             </a:r>
             <a:r>
               <a:rPr lang="en-US" i="1" dirty="0"/>
@@ -12784,10 +12728,9 @@
           <a:lstStyle/>
           <a:p>
             <a:r>
-              <a:rPr lang="en-US" dirty="0" smtClean="0"/>
+              <a:rPr lang="en-US" dirty="0"/>
               <a:t>A parametric test</a:t>
             </a:r>
-            <a:endParaRPr lang="en-US" dirty="0"/>
           </a:p>
         </p:txBody>
       </p:sp>
@@ -12825,13 +12768,6 @@
   <p:clrMapOvr>
     <a:masterClrMapping/>
   </p:clrMapOvr>
-  <p:timing>
-    <p:tnLst>
-      <p:par>
-        <p:cTn id="1" dur="indefinite" restart="never" nodeType="tmRoot"/>
-      </p:par>
-    </p:tnLst>
-  </p:timing>
 </p:sld>
 </file>
 
@@ -12872,11 +12808,11 @@
               <a:t>two-sample </a:t>
             </a:r>
             <a:r>
-              <a:rPr lang="en-US" i="1" dirty="0" smtClean="0"/>
+              <a:rPr lang="en-US" i="1" dirty="0"/>
               <a:t>t</a:t>
             </a:r>
             <a:r>
-              <a:rPr lang="en-US" dirty="0" smtClean="0"/>
+              <a:rPr lang="en-US" dirty="0"/>
               <a:t>-test example</a:t>
             </a:r>
             <a:endParaRPr lang="en-GB" dirty="0"/>
@@ -12902,12 +12838,8 @@
               <a:buNone/>
             </a:pPr>
             <a:r>
-              <a:rPr lang="en-US" dirty="0" smtClean="0"/>
-              <a:t>A </a:t>
-            </a:r>
-            <a:r>
               <a:rPr lang="en-US" dirty="0"/>
-              <a:t>number of </a:t>
+              <a:t>A number of </a:t>
             </a:r>
             <a:r>
               <a:rPr lang="en-US" dirty="0">
@@ -12925,16 +12857,12 @@
             </a:r>
             <a:r>
               <a:rPr lang="en-US" dirty="0"/>
-              <a:t> of the adult male plumage. </a:t>
-            </a:r>
-            <a:r>
-              <a:rPr lang="en-US" dirty="0" smtClean="0"/>
-              <a:t>Two of these subspecies are: </a:t>
-            </a:r>
-          </a:p>
-          <a:p>
-            <a:r>
-              <a:rPr lang="en-US" dirty="0" smtClean="0"/>
+              <a:t> of the adult male plumage. Two of these subspecies are: </a:t>
+            </a:r>
+          </a:p>
+          <a:p>
+            <a:r>
+              <a:rPr lang="en-US" dirty="0"/>
               <a:t>"</a:t>
             </a:r>
             <a:r>
@@ -12943,33 +12871,21 @@
             </a:r>
             <a:r>
               <a:rPr lang="en-US" dirty="0"/>
-              <a:t> group" that occurs in Europe and </a:t>
-            </a:r>
-            <a:r>
-              <a:rPr lang="en-US" dirty="0" smtClean="0"/>
-              <a:t>Asia</a:t>
-            </a:r>
-          </a:p>
-          <a:p>
-            <a:r>
-              <a:rPr lang="en-US" dirty="0" smtClean="0"/>
+              <a:t> group" that occurs in Europe and Asia</a:t>
+            </a:r>
+          </a:p>
+          <a:p>
+            <a:r>
+              <a:rPr lang="en-US" dirty="0"/>
               <a:t>"</a:t>
             </a:r>
             <a:r>
-              <a:rPr lang="en-US" dirty="0" err="1" smtClean="0"/>
+              <a:rPr lang="en-US" dirty="0" err="1"/>
               <a:t>canariensis</a:t>
             </a:r>
             <a:r>
-              <a:rPr lang="en-US" dirty="0" smtClean="0"/>
-              <a:t> </a:t>
-            </a:r>
-            <a:r>
               <a:rPr lang="en-US" dirty="0"/>
-              <a:t>group" on the Canary </a:t>
-            </a:r>
-            <a:r>
-              <a:rPr lang="en-US" dirty="0" smtClean="0"/>
-              <a:t>Islands</a:t>
+              <a:t> group" on the Canary Islands</a:t>
             </a:r>
             <a:endParaRPr lang="en-GB" dirty="0"/>
           </a:p>
@@ -13009,13 +12925,6 @@
   <p:clrMapOvr>
     <a:masterClrMapping/>
   </p:clrMapOvr>
-  <p:timing>
-    <p:tnLst>
-      <p:par>
-        <p:cTn id="1" dur="indefinite" restart="never" nodeType="tmRoot"/>
-      </p:par>
-    </p:tnLst>
-  </p:timing>
 </p:sld>
 </file>
 
@@ -13093,13 +13002,6 @@
   <p:clrMapOvr>
     <a:masterClrMapping/>
   </p:clrMapOvr>
-  <p:timing>
-    <p:tnLst>
-      <p:par>
-        <p:cTn id="1" dur="indefinite" restart="never" nodeType="tmRoot"/>
-      </p:par>
-    </p:tnLst>
-  </p:timing>
 </p:sld>
 </file>
 
@@ -15136,13 +15038,6 @@
   <p:clrMapOvr>
     <a:masterClrMapping/>
   </p:clrMapOvr>
-  <p:timing>
-    <p:tnLst>
-      <p:par>
-        <p:cTn id="1" dur="indefinite" restart="never" nodeType="tmRoot"/>
-      </p:par>
-    </p:tnLst>
-  </p:timing>
 </p:sld>
 </file>
 
@@ -15407,12 +15302,6 @@
               <a:buFontTx/>
               <a:buNone/>
             </a:pPr>
-            <a:r>
-              <a:rPr lang="en-GB" altLang="en-US" sz="2400">
-                <a:latin typeface="Arial" pitchFamily="34" charset="0"/>
-              </a:rPr>
-              <a:t/>
-            </a:r>
             <a:br>
               <a:rPr lang="en-GB" altLang="en-US" sz="2400">
                 <a:latin typeface="Arial" pitchFamily="34" charset="0"/>
@@ -15522,15 +15411,28 @@
                 <a:latin typeface="Consolas" panose="020B0609020204030204" pitchFamily="49" charset="0"/>
                 <a:cs typeface="Consolas" panose="020B0609020204030204" pitchFamily="49" charset="0"/>
               </a:rPr>
-              <a:t>chaff  &lt;-  read_table2("data/chaff.txt")</a:t>
-            </a:r>
-            <a:endParaRPr lang="en-GB" sz="2000" dirty="0">
-              <a:solidFill>
-                <a:srgbClr val="3333FF"/>
-              </a:solidFill>
-              <a:latin typeface="Consolas" panose="020B0609020204030204" pitchFamily="49" charset="0"/>
-              <a:cs typeface="Consolas" panose="020B0609020204030204" pitchFamily="49" charset="0"/>
-            </a:endParaRPr>
+              <a:t>chaff  &lt;-  </a:t>
+            </a:r>
+            <a:r>
+              <a:rPr lang="en-GB" sz="2000" dirty="0" err="1">
+                <a:solidFill>
+                  <a:srgbClr val="3333FF"/>
+                </a:solidFill>
+                <a:latin typeface="Consolas" panose="020B0609020204030204" pitchFamily="49" charset="0"/>
+                <a:cs typeface="Consolas" panose="020B0609020204030204" pitchFamily="49" charset="0"/>
+              </a:rPr>
+              <a:t>read_table</a:t>
+            </a:r>
+            <a:r>
+              <a:rPr lang="en-GB" sz="2000" dirty="0">
+                <a:solidFill>
+                  <a:srgbClr val="3333FF"/>
+                </a:solidFill>
+                <a:latin typeface="Consolas" panose="020B0609020204030204" pitchFamily="49" charset="0"/>
+                <a:cs typeface="Consolas" panose="020B0609020204030204" pitchFamily="49" charset="0"/>
+              </a:rPr>
+              <a:t>("data/chaff.txt")</a:t>
+            </a:r>
           </a:p>
         </p:txBody>
       </p:sp>
@@ -15604,10 +15506,6 @@
             <a:r>
               <a:rPr lang="en-GB" altLang="en-US" sz="2800" dirty="0"/>
               <a:t>-tests</a:t>
-            </a:r>
-            <a:r>
-              <a:rPr lang="en-GB" altLang="en-US" dirty="0"/>
-              <a:t/>
             </a:r>
             <a:br>
               <a:rPr lang="en-GB" altLang="en-US" dirty="0"/>
@@ -15798,13 +15696,8 @@
           <a:p>
             <a:r>
               <a:rPr lang="en-GB" dirty="0"/>
-              <a:t>There should be one table for each "kind" of </a:t>
-            </a:r>
-            <a:r>
-              <a:rPr lang="en-GB" dirty="0" smtClean="0"/>
-              <a:t>data.</a:t>
-            </a:r>
-            <a:endParaRPr lang="en-GB" dirty="0"/>
+              <a:t>There should be one table for each "kind" of data.</a:t>
+            </a:r>
           </a:p>
           <a:p>
             <a:r>
@@ -15869,13 +15762,6 @@
   <p:clrMapOvr>
     <a:masterClrMapping/>
   </p:clrMapOvr>
-  <p:timing>
-    <p:tnLst>
-      <p:par>
-        <p:cTn id="1" dur="indefinite" restart="never" nodeType="tmRoot"/>
-      </p:par>
-    </p:tnLst>
-  </p:timing>
 </p:sld>
 </file>
 
@@ -15954,10 +15840,6 @@
               <a:rPr lang="en-GB" altLang="en-US" sz="2800" dirty="0"/>
               <a:t>-tests</a:t>
             </a:r>
-            <a:r>
-              <a:rPr lang="en-GB" altLang="en-US" dirty="0"/>
-              <a:t/>
-            </a:r>
             <a:br>
               <a:rPr lang="en-GB" altLang="en-US" dirty="0"/>
             </a:br>
@@ -16283,7 +16165,7 @@
               <a:t>  </a:t>
             </a:r>
             <a:r>
-              <a:rPr lang="en-US" sz="1400" kern="0" dirty="0" err="1" smtClean="0">
+              <a:rPr lang="en-US" sz="1400" kern="0" dirty="0" err="1">
                 <a:solidFill>
                   <a:srgbClr val="3333FF"/>
                 </a:solidFill>
@@ -16293,7 +16175,7 @@
               <a:t>geom_boxplot</a:t>
             </a:r>
             <a:r>
-              <a:rPr lang="en-US" sz="1400" kern="0" dirty="0" smtClean="0">
+              <a:rPr lang="en-US" sz="1400" kern="0" dirty="0">
                 <a:solidFill>
                   <a:srgbClr val="3333FF"/>
                 </a:solidFill>
@@ -16364,13 +16246,6 @@
   <p:clrMapOvr>
     <a:masterClrMapping/>
   </p:clrMapOvr>
-  <p:timing>
-    <p:tnLst>
-      <p:par>
-        <p:cTn id="1" dur="indefinite" restart="never" nodeType="tmRoot"/>
-      </p:par>
-    </p:tnLst>
-  </p:timing>
 </p:sld>
 </file>
 
@@ -16407,10 +16282,9 @@
           <a:lstStyle/>
           <a:p>
             <a:r>
-              <a:rPr lang="en-GB" dirty="0" smtClean="0"/>
+              <a:rPr lang="en-GB" dirty="0"/>
               <a:t>Last week</a:t>
             </a:r>
-            <a:endParaRPr lang="en-GB" dirty="0"/>
           </a:p>
         </p:txBody>
       </p:sp>
@@ -16440,40 +16314,40 @@
               <a:buNone/>
             </a:pPr>
             <a:r>
-              <a:rPr lang="en-GB" dirty="0" smtClean="0"/>
+              <a:rPr lang="en-GB" dirty="0"/>
               <a:t>We will cover </a:t>
             </a:r>
           </a:p>
           <a:p>
             <a:r>
-              <a:rPr lang="en-GB" dirty="0" smtClean="0"/>
+              <a:rPr lang="en-GB" dirty="0"/>
               <a:t>General intro to one- and two- sample tests</a:t>
             </a:r>
           </a:p>
           <a:p>
             <a:r>
-              <a:rPr lang="en-GB" dirty="0" smtClean="0"/>
+              <a:rPr lang="en-GB" dirty="0"/>
               <a:t>one sample-tests</a:t>
             </a:r>
           </a:p>
           <a:p>
             <a:pPr lvl="1"/>
             <a:r>
-              <a:rPr lang="en-GB" dirty="0" smtClean="0"/>
+              <a:rPr lang="en-GB" dirty="0"/>
               <a:t>The one-sample t-test</a:t>
             </a:r>
           </a:p>
           <a:p>
             <a:pPr lvl="1"/>
             <a:r>
-              <a:rPr lang="en-GB" dirty="0" smtClean="0"/>
+              <a:rPr lang="en-GB" dirty="0"/>
               <a:t>The paired sample t-test</a:t>
             </a:r>
           </a:p>
           <a:p>
             <a:pPr lvl="1"/>
             <a:r>
-              <a:rPr lang="en-GB" dirty="0" smtClean="0"/>
+              <a:rPr lang="en-GB" dirty="0"/>
               <a:t>The one sample Wilcoxon</a:t>
             </a:r>
           </a:p>
@@ -16482,26 +16356,22 @@
               <a:buNone/>
             </a:pPr>
             <a:r>
-              <a:rPr lang="en-GB" dirty="0" smtClean="0"/>
+              <a:rPr lang="en-GB" dirty="0"/>
               <a:t>R practice</a:t>
             </a:r>
           </a:p>
           <a:p>
             <a:pPr lvl="1"/>
             <a:r>
-              <a:rPr lang="en-GB" dirty="0" smtClean="0"/>
+              <a:rPr lang="en-GB" dirty="0"/>
               <a:t>No workshop</a:t>
             </a:r>
           </a:p>
           <a:p>
             <a:pPr lvl="1"/>
             <a:r>
-              <a:rPr lang="en-GB" dirty="0" smtClean="0"/>
-              <a:t>Activities to consolidate previous skills:  Workflow </a:t>
-            </a:r>
-            <a:r>
               <a:rPr lang="en-GB" dirty="0"/>
-              <a:t>basics and projects</a:t>
+              <a:t>Activities to consolidate previous skills:  Workflow basics and projects</a:t>
             </a:r>
           </a:p>
         </p:txBody>
@@ -16540,13 +16410,6 @@
   <p:clrMapOvr>
     <a:masterClrMapping/>
   </p:clrMapOvr>
-  <p:timing>
-    <p:tnLst>
-      <p:par>
-        <p:cTn id="1" dur="indefinite" restart="never" nodeType="tmRoot"/>
-      </p:par>
-    </p:tnLst>
-  </p:timing>
 </p:sld>
 </file>
 
@@ -16980,10 +16843,6 @@
               <a:rPr lang="en-GB" altLang="en-US" sz="2800" dirty="0"/>
               <a:t>-tests</a:t>
             </a:r>
-            <a:r>
-              <a:rPr lang="en-GB" altLang="en-US" dirty="0"/>
-              <a:t/>
-            </a:r>
             <a:br>
               <a:rPr lang="en-GB" altLang="en-US" dirty="0"/>
             </a:br>
@@ -17318,13 +17177,6 @@
   <p:clrMapOvr>
     <a:masterClrMapping/>
   </p:clrMapOvr>
-  <p:timing>
-    <p:tnLst>
-      <p:par>
-        <p:cTn id="1" dur="indefinite" restart="never" nodeType="tmRoot"/>
-      </p:par>
-    </p:tnLst>
-  </p:timing>
 </p:sld>
 </file>
 
@@ -17427,25 +17279,8 @@
                 <a:latin typeface="Lucida Console" panose="020B0609040504020204" pitchFamily="49" charset="0"/>
                 <a:cs typeface="Courier New" pitchFamily="49" charset="0"/>
               </a:rPr>
-              <a:t>       mass ~ </a:t>
-            </a:r>
-            <a:r>
-              <a:rPr lang="en-GB" sz="2400" kern="0" dirty="0">
-                <a:solidFill>
-                  <a:srgbClr val="3333FF"/>
-                </a:solidFill>
-                <a:latin typeface="Lucida Console" panose="020B0609040504020204" pitchFamily="49" charset="0"/>
-                <a:cs typeface="Courier New" pitchFamily="49" charset="0"/>
-              </a:rPr>
-              <a:t>subspecies, </a:t>
-            </a:r>
-            <a:endParaRPr lang="en-GB" sz="2400" kern="0" dirty="0">
-              <a:solidFill>
-                <a:srgbClr val="3333FF"/>
-              </a:solidFill>
-              <a:latin typeface="Lucida Console" panose="020B0609040504020204" pitchFamily="49" charset="0"/>
-              <a:cs typeface="Courier New" pitchFamily="49" charset="0"/>
-            </a:endParaRPr>
+              <a:t>       mass ~ subspecies, </a:t>
+            </a:r>
           </a:p>
           <a:p>
             <a:pPr marL="342900" lvl="1" indent="-342900">
@@ -17459,7 +17294,7 @@
               <a:defRPr/>
             </a:pPr>
             <a:r>
-              <a:rPr lang="en-GB" sz="2400" kern="0" dirty="0" smtClean="0">
+              <a:rPr lang="en-GB" sz="2400" kern="0" dirty="0">
                 <a:solidFill>
                   <a:srgbClr val="3333FF"/>
                 </a:solidFill>
@@ -17469,7 +17304,7 @@
               <a:t>       </a:t>
             </a:r>
             <a:r>
-              <a:rPr lang="en-GB" sz="2400" kern="0" dirty="0" err="1" smtClean="0">
+              <a:rPr lang="en-GB" sz="2400" kern="0" dirty="0" err="1">
                 <a:solidFill>
                   <a:srgbClr val="3333FF"/>
                 </a:solidFill>
@@ -17479,24 +17314,14 @@
               <a:t>var.equal</a:t>
             </a:r>
             <a:r>
-              <a:rPr lang="en-GB" sz="2400" kern="0" dirty="0" smtClean="0">
+              <a:rPr lang="en-GB" sz="2400" kern="0" dirty="0">
                 <a:solidFill>
                   <a:srgbClr val="3333FF"/>
                 </a:solidFill>
                 <a:latin typeface="Lucida Console" panose="020B0609040504020204" pitchFamily="49" charset="0"/>
                 <a:cs typeface="Courier New" pitchFamily="49" charset="0"/>
               </a:rPr>
-              <a:t> </a:t>
-            </a:r>
-            <a:r>
-              <a:rPr lang="en-GB" sz="2400" kern="0" dirty="0">
-                <a:solidFill>
-                  <a:srgbClr val="3333FF"/>
-                </a:solidFill>
-                <a:latin typeface="Lucida Console" panose="020B0609040504020204" pitchFamily="49" charset="0"/>
-                <a:cs typeface="Courier New" pitchFamily="49" charset="0"/>
-              </a:rPr>
-              <a:t>= T)</a:t>
+              <a:t> = T)</a:t>
             </a:r>
             <a:endParaRPr lang="en-GB" sz="2800" kern="0" dirty="0">
               <a:latin typeface="+mn-lt"/>
@@ -17561,10 +17386,6 @@
             <a:r>
               <a:rPr lang="en-GB" altLang="en-US" sz="2800" dirty="0"/>
               <a:t>-tests</a:t>
-            </a:r>
-            <a:r>
-              <a:rPr lang="en-GB" altLang="en-US" dirty="0"/>
-              <a:t/>
             </a:r>
             <a:br>
               <a:rPr lang="en-GB" altLang="en-US" dirty="0"/>
@@ -17686,13 +17507,8 @@
           <a:p>
             <a:r>
               <a:rPr lang="en-GB" altLang="en-US" sz="2800" dirty="0"/>
-              <a:t>The ‘model’ explain mass by </a:t>
-            </a:r>
-            <a:r>
-              <a:rPr lang="en-GB" altLang="en-US" sz="2800" dirty="0"/>
-              <a:t>subspecies</a:t>
-            </a:r>
-            <a:endParaRPr lang="en-GB" altLang="en-US" sz="2800" dirty="0"/>
+              <a:t>The ‘model’ explain mass by subspecies</a:t>
+            </a:r>
           </a:p>
         </p:txBody>
       </p:sp>
@@ -17723,16 +17539,15 @@
           <a:lstStyle/>
           <a:p>
             <a:r>
-              <a:rPr lang="en-GB" altLang="en-US" sz="2800" dirty="0" smtClean="0"/>
+              <a:rPr lang="en-GB" altLang="en-US" sz="2800" dirty="0"/>
               <a:t>Paired = FALSE is the default. </a:t>
             </a:r>
           </a:p>
           <a:p>
             <a:r>
-              <a:rPr lang="en-GB" altLang="en-US" sz="2800" dirty="0" smtClean="0"/>
+              <a:rPr lang="en-GB" altLang="en-US" sz="2800" dirty="0"/>
               <a:t>No need to include</a:t>
             </a:r>
-            <a:endParaRPr lang="en-GB" altLang="en-US" sz="2800" dirty="0"/>
           </a:p>
         </p:txBody>
       </p:sp>
@@ -17891,13 +17706,6 @@
   <p:clrMapOvr>
     <a:masterClrMapping/>
   </p:clrMapOvr>
-  <p:timing>
-    <p:tnLst>
-      <p:par>
-        <p:cTn id="1" dur="indefinite" restart="never" nodeType="tmRoot"/>
-      </p:par>
-    </p:tnLst>
-  </p:timing>
 </p:sld>
 </file>
 
@@ -17968,27 +17776,7 @@
                 <a:latin typeface="Lucida Console" panose="020B0609040504020204" pitchFamily="49" charset="0"/>
                 <a:cs typeface="Courier New" pitchFamily="49" charset="0"/>
               </a:rPr>
-              <a:t>	</a:t>
-            </a:r>
-            <a:r>
-              <a:rPr lang="en-US" sz="1600" kern="0" dirty="0" smtClean="0">
-                <a:solidFill>
-                  <a:srgbClr val="000000"/>
-                </a:solidFill>
-                <a:latin typeface="Lucida Console" panose="020B0609040504020204" pitchFamily="49" charset="0"/>
-                <a:cs typeface="Courier New" pitchFamily="49" charset="0"/>
-              </a:rPr>
-              <a:t>     Two </a:t>
-            </a:r>
-            <a:r>
-              <a:rPr lang="en-US" sz="1600" kern="0" dirty="0">
-                <a:solidFill>
-                  <a:srgbClr val="000000"/>
-                </a:solidFill>
-                <a:latin typeface="Lucida Console" panose="020B0609040504020204" pitchFamily="49" charset="0"/>
-                <a:cs typeface="Courier New" pitchFamily="49" charset="0"/>
-              </a:rPr>
-              <a:t>Sample t-test</a:t>
+              <a:t>	     Two Sample t-test</a:t>
             </a:r>
           </a:p>
           <a:p>
@@ -18022,24 +17810,14 @@
               <a:defRPr/>
             </a:pPr>
             <a:r>
-              <a:rPr lang="en-US" sz="1600" kern="0" dirty="0" smtClean="0">
+              <a:rPr lang="en-US" sz="1600" kern="0" dirty="0">
                 <a:solidFill>
                   <a:srgbClr val="000000"/>
                 </a:solidFill>
                 <a:latin typeface="Lucida Console" panose="020B0609040504020204" pitchFamily="49" charset="0"/>
                 <a:cs typeface="Courier New" pitchFamily="49" charset="0"/>
               </a:rPr>
-              <a:t>data</a:t>
-            </a:r>
-            <a:r>
-              <a:rPr lang="en-US" sz="1600" kern="0" dirty="0">
-                <a:solidFill>
-                  <a:srgbClr val="000000"/>
-                </a:solidFill>
-                <a:latin typeface="Lucida Console" panose="020B0609040504020204" pitchFamily="49" charset="0"/>
-                <a:cs typeface="Courier New" pitchFamily="49" charset="0"/>
-              </a:rPr>
-              <a:t>:  mass by subspecies</a:t>
+              <a:t>data:  mass by subspecies</a:t>
             </a:r>
           </a:p>
           <a:p>
@@ -18318,10 +18096,6 @@
             <a:r>
               <a:rPr lang="en-GB" altLang="en-US" sz="2800" dirty="0"/>
               <a:t>-tests</a:t>
-            </a:r>
-            <a:r>
-              <a:rPr lang="en-GB" altLang="en-US" dirty="0"/>
-              <a:t/>
             </a:r>
             <a:br>
               <a:rPr lang="en-GB" altLang="en-US" dirty="0"/>
@@ -18459,25 +18233,8 @@
                 <a:latin typeface="Lucida Console" panose="020B0609040504020204" pitchFamily="49" charset="0"/>
                 <a:cs typeface="Courier New" pitchFamily="49" charset="0"/>
               </a:rPr>
-              <a:t>       mass ~ </a:t>
-            </a:r>
-            <a:r>
-              <a:rPr lang="en-GB" sz="2000" kern="0" dirty="0">
-                <a:solidFill>
-                  <a:srgbClr val="3333FF"/>
-                </a:solidFill>
-                <a:latin typeface="Lucida Console" panose="020B0609040504020204" pitchFamily="49" charset="0"/>
-                <a:cs typeface="Courier New" pitchFamily="49" charset="0"/>
-              </a:rPr>
-              <a:t>subspecies, </a:t>
-            </a:r>
-            <a:endParaRPr lang="en-GB" sz="2000" kern="0" dirty="0">
-              <a:solidFill>
-                <a:srgbClr val="3333FF"/>
-              </a:solidFill>
-              <a:latin typeface="Lucida Console" panose="020B0609040504020204" pitchFamily="49" charset="0"/>
-              <a:cs typeface="Courier New" pitchFamily="49" charset="0"/>
-            </a:endParaRPr>
+              <a:t>       mass ~ subspecies, </a:t>
+            </a:r>
           </a:p>
           <a:p>
             <a:pPr marL="342900" lvl="1" indent="-342900">
@@ -18491,7 +18248,7 @@
               <a:defRPr/>
             </a:pPr>
             <a:r>
-              <a:rPr lang="en-GB" sz="2000" kern="0" dirty="0" smtClean="0">
+              <a:rPr lang="en-GB" sz="2000" kern="0" dirty="0">
                 <a:solidFill>
                   <a:srgbClr val="3333FF"/>
                 </a:solidFill>
@@ -18501,7 +18258,7 @@
               <a:t>       </a:t>
             </a:r>
             <a:r>
-              <a:rPr lang="en-GB" sz="2000" kern="0" dirty="0" err="1" smtClean="0">
+              <a:rPr lang="en-GB" sz="2000" kern="0" dirty="0" err="1">
                 <a:solidFill>
                   <a:srgbClr val="3333FF"/>
                 </a:solidFill>
@@ -18511,24 +18268,14 @@
               <a:t>var.equal</a:t>
             </a:r>
             <a:r>
-              <a:rPr lang="en-GB" sz="2000" kern="0" dirty="0" smtClean="0">
+              <a:rPr lang="en-GB" sz="2000" kern="0" dirty="0">
                 <a:solidFill>
                   <a:srgbClr val="3333FF"/>
                 </a:solidFill>
                 <a:latin typeface="Lucida Console" panose="020B0609040504020204" pitchFamily="49" charset="0"/>
                 <a:cs typeface="Courier New" pitchFamily="49" charset="0"/>
               </a:rPr>
-              <a:t> </a:t>
-            </a:r>
-            <a:r>
-              <a:rPr lang="en-GB" sz="2000" kern="0" dirty="0">
-                <a:solidFill>
-                  <a:srgbClr val="3333FF"/>
-                </a:solidFill>
-                <a:latin typeface="Lucida Console" panose="020B0609040504020204" pitchFamily="49" charset="0"/>
-                <a:cs typeface="Courier New" pitchFamily="49" charset="0"/>
-              </a:rPr>
-              <a:t>= T)</a:t>
+              <a:t> = T)</a:t>
             </a:r>
             <a:endParaRPr lang="en-GB" sz="2400" kern="0" dirty="0">
               <a:latin typeface="+mn-lt"/>
@@ -18563,16 +18310,15 @@
           <a:lstStyle/>
           <a:p>
             <a:r>
-              <a:rPr lang="en-GB" altLang="en-US" sz="2800" dirty="0" smtClean="0"/>
+              <a:rPr lang="en-GB" altLang="en-US" sz="2800" dirty="0"/>
               <a:t>Paired = FALSE is the default. </a:t>
             </a:r>
           </a:p>
           <a:p>
             <a:r>
-              <a:rPr lang="en-GB" altLang="en-US" sz="2800" dirty="0" smtClean="0"/>
+              <a:rPr lang="en-GB" altLang="en-US" sz="2800" dirty="0"/>
               <a:t>Two-sample test done by default</a:t>
             </a:r>
-            <a:endParaRPr lang="en-GB" altLang="en-US" sz="2800" dirty="0"/>
           </a:p>
         </p:txBody>
       </p:sp>
@@ -18639,10 +18385,9 @@
           <a:lstStyle/>
           <a:p>
             <a:r>
-              <a:rPr lang="en-GB" altLang="en-US" sz="2800" dirty="0" smtClean="0"/>
+              <a:rPr lang="en-GB" altLang="en-US" sz="2800" dirty="0"/>
               <a:t>The model</a:t>
             </a:r>
-            <a:endParaRPr lang="en-GB" altLang="en-US" sz="2800" dirty="0"/>
           </a:p>
         </p:txBody>
       </p:sp>
@@ -18694,13 +18439,6 @@
   <p:clrMapOvr>
     <a:masterClrMapping/>
   </p:clrMapOvr>
-  <p:timing>
-    <p:tnLst>
-      <p:par>
-        <p:cTn id="1" dur="indefinite" restart="never" nodeType="tmRoot"/>
-      </p:par>
-    </p:tnLst>
-  </p:timing>
 </p:sld>
 </file>
 
@@ -18771,27 +18509,7 @@
                 <a:latin typeface="Lucida Console" panose="020B0609040504020204" pitchFamily="49" charset="0"/>
                 <a:cs typeface="Courier New" pitchFamily="49" charset="0"/>
               </a:rPr>
-              <a:t>	</a:t>
-            </a:r>
-            <a:r>
-              <a:rPr lang="en-US" sz="1600" kern="0" dirty="0" smtClean="0">
-                <a:solidFill>
-                  <a:srgbClr val="000000"/>
-                </a:solidFill>
-                <a:latin typeface="Lucida Console" panose="020B0609040504020204" pitchFamily="49" charset="0"/>
-                <a:cs typeface="Courier New" pitchFamily="49" charset="0"/>
-              </a:rPr>
-              <a:t>     Two </a:t>
-            </a:r>
-            <a:r>
-              <a:rPr lang="en-US" sz="1600" kern="0" dirty="0">
-                <a:solidFill>
-                  <a:srgbClr val="000000"/>
-                </a:solidFill>
-                <a:latin typeface="Lucida Console" panose="020B0609040504020204" pitchFamily="49" charset="0"/>
-                <a:cs typeface="Courier New" pitchFamily="49" charset="0"/>
-              </a:rPr>
-              <a:t>Sample t-test</a:t>
+              <a:t>	     Two Sample t-test</a:t>
             </a:r>
           </a:p>
           <a:p>
@@ -18825,24 +18543,14 @@
               <a:defRPr/>
             </a:pPr>
             <a:r>
-              <a:rPr lang="en-US" sz="1600" kern="0" dirty="0" smtClean="0">
+              <a:rPr lang="en-US" sz="1600" kern="0" dirty="0">
                 <a:solidFill>
                   <a:srgbClr val="000000"/>
                 </a:solidFill>
                 <a:latin typeface="Lucida Console" panose="020B0609040504020204" pitchFamily="49" charset="0"/>
                 <a:cs typeface="Courier New" pitchFamily="49" charset="0"/>
               </a:rPr>
-              <a:t>data</a:t>
-            </a:r>
-            <a:r>
-              <a:rPr lang="en-US" sz="1600" kern="0" dirty="0">
-                <a:solidFill>
-                  <a:srgbClr val="000000"/>
-                </a:solidFill>
-                <a:latin typeface="Lucida Console" panose="020B0609040504020204" pitchFamily="49" charset="0"/>
-                <a:cs typeface="Courier New" pitchFamily="49" charset="0"/>
-              </a:rPr>
-              <a:t>:  mass by subspecies</a:t>
+              <a:t>data:  mass by subspecies</a:t>
             </a:r>
           </a:p>
           <a:p>
@@ -19121,10 +18829,6 @@
             <a:r>
               <a:rPr lang="en-GB" altLang="en-US" sz="2800" dirty="0"/>
               <a:t>-tests</a:t>
-            </a:r>
-            <a:r>
-              <a:rPr lang="en-GB" altLang="en-US" dirty="0"/>
-              <a:t/>
             </a:r>
             <a:br>
               <a:rPr lang="en-GB" altLang="en-US" dirty="0"/>
@@ -19262,25 +18966,8 @@
                 <a:latin typeface="Lucida Console" panose="020B0609040504020204" pitchFamily="49" charset="0"/>
                 <a:cs typeface="Courier New" pitchFamily="49" charset="0"/>
               </a:rPr>
-              <a:t>       mass ~ </a:t>
-            </a:r>
-            <a:r>
-              <a:rPr lang="en-GB" sz="2000" kern="0" dirty="0">
-                <a:solidFill>
-                  <a:srgbClr val="3333FF"/>
-                </a:solidFill>
-                <a:latin typeface="Lucida Console" panose="020B0609040504020204" pitchFamily="49" charset="0"/>
-                <a:cs typeface="Courier New" pitchFamily="49" charset="0"/>
-              </a:rPr>
-              <a:t>subspecies, </a:t>
-            </a:r>
-            <a:endParaRPr lang="en-GB" sz="2000" kern="0" dirty="0">
-              <a:solidFill>
-                <a:srgbClr val="3333FF"/>
-              </a:solidFill>
-              <a:latin typeface="Lucida Console" panose="020B0609040504020204" pitchFamily="49" charset="0"/>
-              <a:cs typeface="Courier New" pitchFamily="49" charset="0"/>
-            </a:endParaRPr>
+              <a:t>       mass ~ subspecies, </a:t>
+            </a:r>
           </a:p>
           <a:p>
             <a:pPr marL="342900" lvl="1" indent="-342900">
@@ -19294,7 +18981,7 @@
               <a:defRPr/>
             </a:pPr>
             <a:r>
-              <a:rPr lang="en-GB" sz="2000" kern="0" dirty="0" smtClean="0">
+              <a:rPr lang="en-GB" sz="2000" kern="0" dirty="0">
                 <a:solidFill>
                   <a:srgbClr val="3333FF"/>
                 </a:solidFill>
@@ -19304,7 +18991,7 @@
               <a:t>       </a:t>
             </a:r>
             <a:r>
-              <a:rPr lang="en-GB" sz="2000" kern="0" dirty="0" err="1" smtClean="0">
+              <a:rPr lang="en-GB" sz="2000" kern="0" dirty="0" err="1">
                 <a:solidFill>
                   <a:srgbClr val="3333FF"/>
                 </a:solidFill>
@@ -19314,24 +19001,14 @@
               <a:t>var.equal</a:t>
             </a:r>
             <a:r>
-              <a:rPr lang="en-GB" sz="2000" kern="0" dirty="0" smtClean="0">
+              <a:rPr lang="en-GB" sz="2000" kern="0" dirty="0">
                 <a:solidFill>
                   <a:srgbClr val="3333FF"/>
                 </a:solidFill>
                 <a:latin typeface="Lucida Console" panose="020B0609040504020204" pitchFamily="49" charset="0"/>
                 <a:cs typeface="Courier New" pitchFamily="49" charset="0"/>
               </a:rPr>
-              <a:t> </a:t>
-            </a:r>
-            <a:r>
-              <a:rPr lang="en-GB" sz="2000" kern="0" dirty="0">
-                <a:solidFill>
-                  <a:srgbClr val="3333FF"/>
-                </a:solidFill>
-                <a:latin typeface="Lucida Console" panose="020B0609040504020204" pitchFamily="49" charset="0"/>
-                <a:cs typeface="Courier New" pitchFamily="49" charset="0"/>
-              </a:rPr>
-              <a:t>= T)</a:t>
+              <a:t> = T)</a:t>
             </a:r>
             <a:endParaRPr lang="en-GB" sz="2400" kern="0" dirty="0">
               <a:latin typeface="+mn-lt"/>
@@ -19366,10 +19043,9 @@
           <a:lstStyle/>
           <a:p>
             <a:r>
-              <a:rPr lang="en-GB" altLang="en-US" sz="2800" dirty="0" smtClean="0"/>
+              <a:rPr lang="en-GB" altLang="en-US" sz="2800" dirty="0"/>
               <a:t>The two group means</a:t>
             </a:r>
-            <a:endParaRPr lang="en-GB" altLang="en-US" sz="2800" dirty="0"/>
           </a:p>
         </p:txBody>
       </p:sp>
@@ -19455,13 +19131,6 @@
   <p:clrMapOvr>
     <a:masterClrMapping/>
   </p:clrMapOvr>
-  <p:timing>
-    <p:tnLst>
-      <p:par>
-        <p:cTn id="1" dur="indefinite" restart="never" nodeType="tmRoot"/>
-      </p:par>
-    </p:tnLst>
-  </p:timing>
 </p:sld>
 </file>
 
@@ -19532,27 +19201,7 @@
                 <a:latin typeface="Lucida Console" panose="020B0609040504020204" pitchFamily="49" charset="0"/>
                 <a:cs typeface="Courier New" pitchFamily="49" charset="0"/>
               </a:rPr>
-              <a:t>	</a:t>
-            </a:r>
-            <a:r>
-              <a:rPr lang="en-US" sz="1600" kern="0" dirty="0" smtClean="0">
-                <a:solidFill>
-                  <a:srgbClr val="000000"/>
-                </a:solidFill>
-                <a:latin typeface="Lucida Console" panose="020B0609040504020204" pitchFamily="49" charset="0"/>
-                <a:cs typeface="Courier New" pitchFamily="49" charset="0"/>
-              </a:rPr>
-              <a:t>     Two </a:t>
-            </a:r>
-            <a:r>
-              <a:rPr lang="en-US" sz="1600" kern="0" dirty="0">
-                <a:solidFill>
-                  <a:srgbClr val="000000"/>
-                </a:solidFill>
-                <a:latin typeface="Lucida Console" panose="020B0609040504020204" pitchFamily="49" charset="0"/>
-                <a:cs typeface="Courier New" pitchFamily="49" charset="0"/>
-              </a:rPr>
-              <a:t>Sample t-test</a:t>
+              <a:t>	     Two Sample t-test</a:t>
             </a:r>
           </a:p>
           <a:p>
@@ -19586,24 +19235,14 @@
               <a:defRPr/>
             </a:pPr>
             <a:r>
-              <a:rPr lang="en-US" sz="1600" kern="0" dirty="0" smtClean="0">
+              <a:rPr lang="en-US" sz="1600" kern="0" dirty="0">
                 <a:solidFill>
                   <a:srgbClr val="000000"/>
                 </a:solidFill>
                 <a:latin typeface="Lucida Console" panose="020B0609040504020204" pitchFamily="49" charset="0"/>
                 <a:cs typeface="Courier New" pitchFamily="49" charset="0"/>
               </a:rPr>
-              <a:t>data</a:t>
-            </a:r>
-            <a:r>
-              <a:rPr lang="en-US" sz="1600" kern="0" dirty="0">
-                <a:solidFill>
-                  <a:srgbClr val="000000"/>
-                </a:solidFill>
-                <a:latin typeface="Lucida Console" panose="020B0609040504020204" pitchFamily="49" charset="0"/>
-                <a:cs typeface="Courier New" pitchFamily="49" charset="0"/>
-              </a:rPr>
-              <a:t>:  mass by subspecies</a:t>
+              <a:t>data:  mass by subspecies</a:t>
             </a:r>
           </a:p>
           <a:p>
@@ -19882,10 +19521,6 @@
             <a:r>
               <a:rPr lang="en-GB" altLang="en-US" sz="2800" dirty="0"/>
               <a:t>-tests</a:t>
-            </a:r>
-            <a:r>
-              <a:rPr lang="en-GB" altLang="en-US" dirty="0"/>
-              <a:t/>
             </a:r>
             <a:br>
               <a:rPr lang="en-GB" altLang="en-US" dirty="0"/>
@@ -20023,25 +19658,8 @@
                 <a:latin typeface="Lucida Console" panose="020B0609040504020204" pitchFamily="49" charset="0"/>
                 <a:cs typeface="Courier New" pitchFamily="49" charset="0"/>
               </a:rPr>
-              <a:t>       mass ~ </a:t>
-            </a:r>
-            <a:r>
-              <a:rPr lang="en-GB" sz="2000" kern="0" dirty="0">
-                <a:solidFill>
-                  <a:srgbClr val="3333FF"/>
-                </a:solidFill>
-                <a:latin typeface="Lucida Console" panose="020B0609040504020204" pitchFamily="49" charset="0"/>
-                <a:cs typeface="Courier New" pitchFamily="49" charset="0"/>
-              </a:rPr>
-              <a:t>subspecies, </a:t>
-            </a:r>
-            <a:endParaRPr lang="en-GB" sz="2000" kern="0" dirty="0">
-              <a:solidFill>
-                <a:srgbClr val="3333FF"/>
-              </a:solidFill>
-              <a:latin typeface="Lucida Console" panose="020B0609040504020204" pitchFamily="49" charset="0"/>
-              <a:cs typeface="Courier New" pitchFamily="49" charset="0"/>
-            </a:endParaRPr>
+              <a:t>       mass ~ subspecies, </a:t>
+            </a:r>
           </a:p>
           <a:p>
             <a:pPr marL="342900" lvl="1" indent="-342900">
@@ -20055,7 +19673,7 @@
               <a:defRPr/>
             </a:pPr>
             <a:r>
-              <a:rPr lang="en-GB" sz="2000" kern="0" dirty="0" smtClean="0">
+              <a:rPr lang="en-GB" sz="2000" kern="0" dirty="0">
                 <a:solidFill>
                   <a:srgbClr val="3333FF"/>
                 </a:solidFill>
@@ -20065,7 +19683,7 @@
               <a:t>       </a:t>
             </a:r>
             <a:r>
-              <a:rPr lang="en-GB" sz="2000" kern="0" dirty="0" err="1" smtClean="0">
+              <a:rPr lang="en-GB" sz="2000" kern="0" dirty="0" err="1">
                 <a:solidFill>
                   <a:srgbClr val="3333FF"/>
                 </a:solidFill>
@@ -20075,24 +19693,14 @@
               <a:t>var.equal</a:t>
             </a:r>
             <a:r>
-              <a:rPr lang="en-GB" sz="2000" kern="0" dirty="0" smtClean="0">
+              <a:rPr lang="en-GB" sz="2000" kern="0" dirty="0">
                 <a:solidFill>
                   <a:srgbClr val="3333FF"/>
                 </a:solidFill>
                 <a:latin typeface="Lucida Console" panose="020B0609040504020204" pitchFamily="49" charset="0"/>
                 <a:cs typeface="Courier New" pitchFamily="49" charset="0"/>
               </a:rPr>
-              <a:t> </a:t>
-            </a:r>
-            <a:r>
-              <a:rPr lang="en-GB" sz="2000" kern="0" dirty="0">
-                <a:solidFill>
-                  <a:srgbClr val="3333FF"/>
-                </a:solidFill>
-                <a:latin typeface="Lucida Console" panose="020B0609040504020204" pitchFamily="49" charset="0"/>
-                <a:cs typeface="Courier New" pitchFamily="49" charset="0"/>
-              </a:rPr>
-              <a:t>= T)</a:t>
+              <a:t> = T)</a:t>
             </a:r>
             <a:endParaRPr lang="en-GB" sz="2400" kern="0" dirty="0">
               <a:latin typeface="+mn-lt"/>
@@ -20128,11 +19736,7 @@
           <a:p>
             <a:r>
               <a:rPr lang="en-GB" altLang="en-US" sz="2800" dirty="0"/>
-              <a:t>95% </a:t>
-            </a:r>
-            <a:r>
-              <a:rPr lang="en-GB" altLang="en-US" sz="2800" dirty="0" smtClean="0"/>
-              <a:t>CI on the difference between the two means</a:t>
+              <a:t>95% CI on the difference between the two means</a:t>
             </a:r>
           </a:p>
           <a:p>
@@ -20140,16 +19744,8 @@
           </a:p>
           <a:p>
             <a:r>
-              <a:rPr lang="en-GB" altLang="en-US" sz="2800" dirty="0" smtClean="0"/>
-              <a:t>22.275 </a:t>
-            </a:r>
-            <a:r>
               <a:rPr lang="en-GB" altLang="en-US" sz="2800" dirty="0"/>
-              <a:t>- 20.480 = </a:t>
-            </a:r>
-            <a:r>
-              <a:rPr lang="en-GB" altLang="en-US" sz="2800" dirty="0" smtClean="0"/>
-              <a:t>1.795</a:t>
+              <a:t>22.275 - 20.480 = 1.795</a:t>
             </a:r>
           </a:p>
         </p:txBody>
@@ -20202,13 +19798,6 @@
   <p:clrMapOvr>
     <a:masterClrMapping/>
   </p:clrMapOvr>
-  <p:timing>
-    <p:tnLst>
-      <p:par>
-        <p:cTn id="1" dur="indefinite" restart="never" nodeType="tmRoot"/>
-      </p:par>
-    </p:tnLst>
-  </p:timing>
 </p:sld>
 </file>
 
@@ -20279,27 +19868,7 @@
                 <a:latin typeface="Lucida Console" panose="020B0609040504020204" pitchFamily="49" charset="0"/>
                 <a:cs typeface="Courier New" pitchFamily="49" charset="0"/>
               </a:rPr>
-              <a:t>	</a:t>
-            </a:r>
-            <a:r>
-              <a:rPr lang="en-US" sz="1600" kern="0" dirty="0" smtClean="0">
-                <a:solidFill>
-                  <a:srgbClr val="000000"/>
-                </a:solidFill>
-                <a:latin typeface="Lucida Console" panose="020B0609040504020204" pitchFamily="49" charset="0"/>
-                <a:cs typeface="Courier New" pitchFamily="49" charset="0"/>
-              </a:rPr>
-              <a:t>     Two </a:t>
-            </a:r>
-            <a:r>
-              <a:rPr lang="en-US" sz="1600" kern="0" dirty="0">
-                <a:solidFill>
-                  <a:srgbClr val="000000"/>
-                </a:solidFill>
-                <a:latin typeface="Lucida Console" panose="020B0609040504020204" pitchFamily="49" charset="0"/>
-                <a:cs typeface="Courier New" pitchFamily="49" charset="0"/>
-              </a:rPr>
-              <a:t>Sample t-test</a:t>
+              <a:t>	     Two Sample t-test</a:t>
             </a:r>
           </a:p>
           <a:p>
@@ -20333,24 +19902,14 @@
               <a:defRPr/>
             </a:pPr>
             <a:r>
-              <a:rPr lang="en-US" sz="1600" kern="0" dirty="0" smtClean="0">
+              <a:rPr lang="en-US" sz="1600" kern="0" dirty="0">
                 <a:solidFill>
                   <a:srgbClr val="000000"/>
                 </a:solidFill>
                 <a:latin typeface="Lucida Console" panose="020B0609040504020204" pitchFamily="49" charset="0"/>
                 <a:cs typeface="Courier New" pitchFamily="49" charset="0"/>
               </a:rPr>
-              <a:t>data</a:t>
-            </a:r>
-            <a:r>
-              <a:rPr lang="en-US" sz="1600" kern="0" dirty="0">
-                <a:solidFill>
-                  <a:srgbClr val="000000"/>
-                </a:solidFill>
-                <a:latin typeface="Lucida Console" panose="020B0609040504020204" pitchFamily="49" charset="0"/>
-                <a:cs typeface="Courier New" pitchFamily="49" charset="0"/>
-              </a:rPr>
-              <a:t>:  mass by subspecies</a:t>
+              <a:t>data:  mass by subspecies</a:t>
             </a:r>
           </a:p>
           <a:p>
@@ -20629,10 +20188,6 @@
             <a:r>
               <a:rPr lang="en-GB" altLang="en-US" sz="2800" dirty="0"/>
               <a:t>-tests</a:t>
-            </a:r>
-            <a:r>
-              <a:rPr lang="en-GB" altLang="en-US" dirty="0"/>
-              <a:t/>
             </a:r>
             <a:br>
               <a:rPr lang="en-GB" altLang="en-US" dirty="0"/>
@@ -20770,25 +20325,8 @@
                 <a:latin typeface="Lucida Console" panose="020B0609040504020204" pitchFamily="49" charset="0"/>
                 <a:cs typeface="Courier New" pitchFamily="49" charset="0"/>
               </a:rPr>
-              <a:t>       mass ~ </a:t>
-            </a:r>
-            <a:r>
-              <a:rPr lang="en-GB" sz="2000" kern="0" dirty="0">
-                <a:solidFill>
-                  <a:srgbClr val="3333FF"/>
-                </a:solidFill>
-                <a:latin typeface="Lucida Console" panose="020B0609040504020204" pitchFamily="49" charset="0"/>
-                <a:cs typeface="Courier New" pitchFamily="49" charset="0"/>
-              </a:rPr>
-              <a:t>subspecies, </a:t>
-            </a:r>
-            <a:endParaRPr lang="en-GB" sz="2000" kern="0" dirty="0">
-              <a:solidFill>
-                <a:srgbClr val="3333FF"/>
-              </a:solidFill>
-              <a:latin typeface="Lucida Console" panose="020B0609040504020204" pitchFamily="49" charset="0"/>
-              <a:cs typeface="Courier New" pitchFamily="49" charset="0"/>
-            </a:endParaRPr>
+              <a:t>       mass ~ subspecies, </a:t>
+            </a:r>
           </a:p>
           <a:p>
             <a:pPr marL="342900" lvl="1" indent="-342900">
@@ -20802,7 +20340,7 @@
               <a:defRPr/>
             </a:pPr>
             <a:r>
-              <a:rPr lang="en-GB" sz="2000" kern="0" dirty="0" smtClean="0">
+              <a:rPr lang="en-GB" sz="2000" kern="0" dirty="0">
                 <a:solidFill>
                   <a:srgbClr val="3333FF"/>
                 </a:solidFill>
@@ -20812,7 +20350,7 @@
               <a:t>       </a:t>
             </a:r>
             <a:r>
-              <a:rPr lang="en-GB" sz="2000" kern="0" dirty="0" err="1" smtClean="0">
+              <a:rPr lang="en-GB" sz="2000" kern="0" dirty="0" err="1">
                 <a:solidFill>
                   <a:srgbClr val="3333FF"/>
                 </a:solidFill>
@@ -20822,24 +20360,14 @@
               <a:t>var.equal</a:t>
             </a:r>
             <a:r>
-              <a:rPr lang="en-GB" sz="2000" kern="0" dirty="0" smtClean="0">
+              <a:rPr lang="en-GB" sz="2000" kern="0" dirty="0">
                 <a:solidFill>
                   <a:srgbClr val="3333FF"/>
                 </a:solidFill>
                 <a:latin typeface="Lucida Console" panose="020B0609040504020204" pitchFamily="49" charset="0"/>
                 <a:cs typeface="Courier New" pitchFamily="49" charset="0"/>
               </a:rPr>
-              <a:t> </a:t>
-            </a:r>
-            <a:r>
-              <a:rPr lang="en-GB" sz="2000" kern="0" dirty="0">
-                <a:solidFill>
-                  <a:srgbClr val="3333FF"/>
-                </a:solidFill>
-                <a:latin typeface="Lucida Console" panose="020B0609040504020204" pitchFamily="49" charset="0"/>
-                <a:cs typeface="Courier New" pitchFamily="49" charset="0"/>
-              </a:rPr>
-              <a:t>= T)</a:t>
+              <a:t> = T)</a:t>
             </a:r>
             <a:endParaRPr lang="en-GB" sz="2400" kern="0" dirty="0">
               <a:latin typeface="+mn-lt"/>
@@ -20874,18 +20402,17 @@
           <a:lstStyle/>
           <a:p>
             <a:r>
-              <a:rPr lang="en-GB" altLang="en-US" sz="2800" dirty="0" smtClean="0"/>
+              <a:rPr lang="en-GB" altLang="en-US" sz="2800" dirty="0"/>
               <a:t>The bit that says whether it is significant </a:t>
             </a:r>
             <a:r>
-              <a:rPr lang="en-GB" altLang="en-US" sz="2800" i="1" dirty="0" smtClean="0"/>
+              <a:rPr lang="en-GB" altLang="en-US" sz="2800" i="1" dirty="0"/>
               <a:t>p</a:t>
             </a:r>
             <a:r>
-              <a:rPr lang="en-GB" altLang="en-US" sz="2800" dirty="0" smtClean="0"/>
+              <a:rPr lang="en-GB" altLang="en-US" sz="2800" dirty="0"/>
               <a:t> value</a:t>
             </a:r>
-            <a:endParaRPr lang="en-GB" altLang="en-US" sz="2800" dirty="0"/>
           </a:p>
         </p:txBody>
       </p:sp>
@@ -20937,13 +20464,6 @@
   <p:clrMapOvr>
     <a:masterClrMapping/>
   </p:clrMapOvr>
-  <p:timing>
-    <p:tnLst>
-      <p:par>
-        <p:cTn id="1" dur="indefinite" restart="never" nodeType="tmRoot"/>
-      </p:par>
-    </p:tnLst>
-  </p:timing>
 </p:sld>
 </file>
 
@@ -21014,27 +20534,7 @@
                 <a:latin typeface="Lucida Console" panose="020B0609040504020204" pitchFamily="49" charset="0"/>
                 <a:cs typeface="Courier New" pitchFamily="49" charset="0"/>
               </a:rPr>
-              <a:t>	</a:t>
-            </a:r>
-            <a:r>
-              <a:rPr lang="en-US" sz="1600" kern="0" dirty="0" smtClean="0">
-                <a:solidFill>
-                  <a:srgbClr val="000000"/>
-                </a:solidFill>
-                <a:latin typeface="Lucida Console" panose="020B0609040504020204" pitchFamily="49" charset="0"/>
-                <a:cs typeface="Courier New" pitchFamily="49" charset="0"/>
-              </a:rPr>
-              <a:t>     Two </a:t>
-            </a:r>
-            <a:r>
-              <a:rPr lang="en-US" sz="1600" kern="0" dirty="0">
-                <a:solidFill>
-                  <a:srgbClr val="000000"/>
-                </a:solidFill>
-                <a:latin typeface="Lucida Console" panose="020B0609040504020204" pitchFamily="49" charset="0"/>
-                <a:cs typeface="Courier New" pitchFamily="49" charset="0"/>
-              </a:rPr>
-              <a:t>Sample t-test</a:t>
+              <a:t>	     Two Sample t-test</a:t>
             </a:r>
           </a:p>
           <a:p>
@@ -21068,24 +20568,14 @@
               <a:defRPr/>
             </a:pPr>
             <a:r>
-              <a:rPr lang="en-US" sz="1600" kern="0" dirty="0" smtClean="0">
+              <a:rPr lang="en-US" sz="1600" kern="0" dirty="0">
                 <a:solidFill>
                   <a:srgbClr val="000000"/>
                 </a:solidFill>
                 <a:latin typeface="Lucida Console" panose="020B0609040504020204" pitchFamily="49" charset="0"/>
                 <a:cs typeface="Courier New" pitchFamily="49" charset="0"/>
               </a:rPr>
-              <a:t>data</a:t>
-            </a:r>
-            <a:r>
-              <a:rPr lang="en-US" sz="1600" kern="0" dirty="0">
-                <a:solidFill>
-                  <a:srgbClr val="000000"/>
-                </a:solidFill>
-                <a:latin typeface="Lucida Console" panose="020B0609040504020204" pitchFamily="49" charset="0"/>
-                <a:cs typeface="Courier New" pitchFamily="49" charset="0"/>
-              </a:rPr>
-              <a:t>:  mass by subspecies</a:t>
+              <a:t>data:  mass by subspecies</a:t>
             </a:r>
           </a:p>
           <a:p>
@@ -21364,10 +20854,6 @@
             <a:r>
               <a:rPr lang="en-GB" altLang="en-US" sz="2800" dirty="0"/>
               <a:t>-tests</a:t>
-            </a:r>
-            <a:r>
-              <a:rPr lang="en-GB" altLang="en-US" dirty="0"/>
-              <a:t/>
             </a:r>
             <a:br>
               <a:rPr lang="en-GB" altLang="en-US" dirty="0"/>
@@ -21505,25 +20991,8 @@
                 <a:latin typeface="Lucida Console" panose="020B0609040504020204" pitchFamily="49" charset="0"/>
                 <a:cs typeface="Courier New" pitchFamily="49" charset="0"/>
               </a:rPr>
-              <a:t>       mass ~ </a:t>
-            </a:r>
-            <a:r>
-              <a:rPr lang="en-GB" sz="2000" kern="0" dirty="0">
-                <a:solidFill>
-                  <a:srgbClr val="3333FF"/>
-                </a:solidFill>
-                <a:latin typeface="Lucida Console" panose="020B0609040504020204" pitchFamily="49" charset="0"/>
-                <a:cs typeface="Courier New" pitchFamily="49" charset="0"/>
-              </a:rPr>
-              <a:t>subspecies, </a:t>
-            </a:r>
-            <a:endParaRPr lang="en-GB" sz="2000" kern="0" dirty="0">
-              <a:solidFill>
-                <a:srgbClr val="3333FF"/>
-              </a:solidFill>
-              <a:latin typeface="Lucida Console" panose="020B0609040504020204" pitchFamily="49" charset="0"/>
-              <a:cs typeface="Courier New" pitchFamily="49" charset="0"/>
-            </a:endParaRPr>
+              <a:t>       mass ~ subspecies, </a:t>
+            </a:r>
           </a:p>
           <a:p>
             <a:pPr marL="342900" lvl="1" indent="-342900">
@@ -21537,7 +21006,7 @@
               <a:defRPr/>
             </a:pPr>
             <a:r>
-              <a:rPr lang="en-GB" sz="2000" kern="0" dirty="0" smtClean="0">
+              <a:rPr lang="en-GB" sz="2000" kern="0" dirty="0">
                 <a:solidFill>
                   <a:srgbClr val="3333FF"/>
                 </a:solidFill>
@@ -21547,7 +21016,7 @@
               <a:t>       </a:t>
             </a:r>
             <a:r>
-              <a:rPr lang="en-GB" sz="2000" kern="0" dirty="0" err="1" smtClean="0">
+              <a:rPr lang="en-GB" sz="2000" kern="0" dirty="0" err="1">
                 <a:solidFill>
                   <a:srgbClr val="3333FF"/>
                 </a:solidFill>
@@ -21557,24 +21026,14 @@
               <a:t>var.equal</a:t>
             </a:r>
             <a:r>
-              <a:rPr lang="en-GB" sz="2000" kern="0" dirty="0" smtClean="0">
+              <a:rPr lang="en-GB" sz="2000" kern="0" dirty="0">
                 <a:solidFill>
                   <a:srgbClr val="3333FF"/>
                 </a:solidFill>
                 <a:latin typeface="Lucida Console" panose="020B0609040504020204" pitchFamily="49" charset="0"/>
                 <a:cs typeface="Courier New" pitchFamily="49" charset="0"/>
               </a:rPr>
-              <a:t> </a:t>
-            </a:r>
-            <a:r>
-              <a:rPr lang="en-GB" sz="2000" kern="0" dirty="0">
-                <a:solidFill>
-                  <a:srgbClr val="3333FF"/>
-                </a:solidFill>
-                <a:latin typeface="Lucida Console" panose="020B0609040504020204" pitchFamily="49" charset="0"/>
-                <a:cs typeface="Courier New" pitchFamily="49" charset="0"/>
-              </a:rPr>
-              <a:t>= T)</a:t>
+              <a:t> = T)</a:t>
             </a:r>
             <a:endParaRPr lang="en-GB" sz="2400" kern="0" dirty="0">
               <a:latin typeface="+mn-lt"/>
@@ -21615,20 +21074,19 @@
           <a:lstStyle/>
           <a:p>
             <a:r>
-              <a:rPr lang="en-GB" altLang="en-US" sz="2800" i="1" dirty="0" smtClean="0"/>
+              <a:rPr lang="en-GB" altLang="en-US" sz="2800" i="1" dirty="0"/>
               <a:t>p</a:t>
             </a:r>
             <a:r>
-              <a:rPr lang="en-GB" altLang="en-US" sz="2800" dirty="0" smtClean="0"/>
+              <a:rPr lang="en-GB" altLang="en-US" sz="2800" dirty="0"/>
               <a:t> &lt; 0.05</a:t>
             </a:r>
           </a:p>
           <a:p>
             <a:r>
-              <a:rPr lang="en-GB" altLang="en-US" sz="2800" dirty="0" smtClean="0"/>
+              <a:rPr lang="en-GB" altLang="en-US" sz="2800" dirty="0"/>
               <a:t>Conclusion: there is a significant difference between the subspecies in mass </a:t>
             </a:r>
-            <a:endParaRPr lang="en-GB" altLang="en-US" sz="2800" dirty="0"/>
           </a:p>
         </p:txBody>
       </p:sp>
@@ -21642,13 +21100,6 @@
   <p:clrMapOvr>
     <a:masterClrMapping/>
   </p:clrMapOvr>
-  <p:timing>
-    <p:tnLst>
-      <p:par>
-        <p:cTn id="1" dur="indefinite" restart="never" nodeType="tmRoot"/>
-      </p:par>
-    </p:tnLst>
-  </p:timing>
 </p:sld>
 </file>
 
@@ -21719,27 +21170,7 @@
                 <a:latin typeface="Lucida Console" panose="020B0609040504020204" pitchFamily="49" charset="0"/>
                 <a:cs typeface="Courier New" pitchFamily="49" charset="0"/>
               </a:rPr>
-              <a:t>	</a:t>
-            </a:r>
-            <a:r>
-              <a:rPr lang="en-US" sz="1600" kern="0" dirty="0" smtClean="0">
-                <a:solidFill>
-                  <a:srgbClr val="000000"/>
-                </a:solidFill>
-                <a:latin typeface="Lucida Console" panose="020B0609040504020204" pitchFamily="49" charset="0"/>
-                <a:cs typeface="Courier New" pitchFamily="49" charset="0"/>
-              </a:rPr>
-              <a:t>     Two </a:t>
-            </a:r>
-            <a:r>
-              <a:rPr lang="en-US" sz="1600" kern="0" dirty="0">
-                <a:solidFill>
-                  <a:srgbClr val="000000"/>
-                </a:solidFill>
-                <a:latin typeface="Lucida Console" panose="020B0609040504020204" pitchFamily="49" charset="0"/>
-                <a:cs typeface="Courier New" pitchFamily="49" charset="0"/>
-              </a:rPr>
-              <a:t>Sample t-test</a:t>
+              <a:t>	     Two Sample t-test</a:t>
             </a:r>
           </a:p>
           <a:p>
@@ -21773,24 +21204,14 @@
               <a:defRPr/>
             </a:pPr>
             <a:r>
-              <a:rPr lang="en-US" sz="1600" kern="0" dirty="0" smtClean="0">
+              <a:rPr lang="en-US" sz="1600" kern="0" dirty="0">
                 <a:solidFill>
                   <a:srgbClr val="000000"/>
                 </a:solidFill>
                 <a:latin typeface="Lucida Console" panose="020B0609040504020204" pitchFamily="49" charset="0"/>
                 <a:cs typeface="Courier New" pitchFamily="49" charset="0"/>
               </a:rPr>
-              <a:t>data</a:t>
-            </a:r>
-            <a:r>
-              <a:rPr lang="en-US" sz="1600" kern="0" dirty="0">
-                <a:solidFill>
-                  <a:srgbClr val="000000"/>
-                </a:solidFill>
-                <a:latin typeface="Lucida Console" panose="020B0609040504020204" pitchFamily="49" charset="0"/>
-                <a:cs typeface="Courier New" pitchFamily="49" charset="0"/>
-              </a:rPr>
-              <a:t>:  mass by subspecies</a:t>
+              <a:t>data:  mass by subspecies</a:t>
             </a:r>
           </a:p>
           <a:p>
@@ -22069,10 +21490,6 @@
             <a:r>
               <a:rPr lang="en-GB" altLang="en-US" sz="2800" dirty="0"/>
               <a:t>-tests</a:t>
-            </a:r>
-            <a:r>
-              <a:rPr lang="en-GB" altLang="en-US" dirty="0"/>
-              <a:t/>
             </a:r>
             <a:br>
               <a:rPr lang="en-GB" altLang="en-US" dirty="0"/>
@@ -22210,25 +21627,8 @@
                 <a:latin typeface="Lucida Console" panose="020B0609040504020204" pitchFamily="49" charset="0"/>
                 <a:cs typeface="Courier New" pitchFamily="49" charset="0"/>
               </a:rPr>
-              <a:t>       mass ~ </a:t>
-            </a:r>
-            <a:r>
-              <a:rPr lang="en-GB" sz="2000" kern="0" dirty="0">
-                <a:solidFill>
-                  <a:srgbClr val="3333FF"/>
-                </a:solidFill>
-                <a:latin typeface="Lucida Console" panose="020B0609040504020204" pitchFamily="49" charset="0"/>
-                <a:cs typeface="Courier New" pitchFamily="49" charset="0"/>
-              </a:rPr>
-              <a:t>subspecies, </a:t>
-            </a:r>
-            <a:endParaRPr lang="en-GB" sz="2000" kern="0" dirty="0">
-              <a:solidFill>
-                <a:srgbClr val="3333FF"/>
-              </a:solidFill>
-              <a:latin typeface="Lucida Console" panose="020B0609040504020204" pitchFamily="49" charset="0"/>
-              <a:cs typeface="Courier New" pitchFamily="49" charset="0"/>
-            </a:endParaRPr>
+              <a:t>       mass ~ subspecies, </a:t>
+            </a:r>
           </a:p>
           <a:p>
             <a:pPr marL="342900" lvl="1" indent="-342900">
@@ -22242,7 +21642,7 @@
               <a:defRPr/>
             </a:pPr>
             <a:r>
-              <a:rPr lang="en-GB" sz="2000" kern="0" dirty="0" smtClean="0">
+              <a:rPr lang="en-GB" sz="2000" kern="0" dirty="0">
                 <a:solidFill>
                   <a:srgbClr val="3333FF"/>
                 </a:solidFill>
@@ -22252,7 +21652,7 @@
               <a:t>       </a:t>
             </a:r>
             <a:r>
-              <a:rPr lang="en-GB" sz="2000" kern="0" dirty="0" err="1" smtClean="0">
+              <a:rPr lang="en-GB" sz="2000" kern="0" dirty="0" err="1">
                 <a:solidFill>
                   <a:srgbClr val="3333FF"/>
                 </a:solidFill>
@@ -22262,24 +21662,14 @@
               <a:t>var.equal</a:t>
             </a:r>
             <a:r>
-              <a:rPr lang="en-GB" sz="2000" kern="0" dirty="0" smtClean="0">
+              <a:rPr lang="en-GB" sz="2000" kern="0" dirty="0">
                 <a:solidFill>
                   <a:srgbClr val="3333FF"/>
                 </a:solidFill>
                 <a:latin typeface="Lucida Console" panose="020B0609040504020204" pitchFamily="49" charset="0"/>
                 <a:cs typeface="Courier New" pitchFamily="49" charset="0"/>
               </a:rPr>
-              <a:t> </a:t>
-            </a:r>
-            <a:r>
-              <a:rPr lang="en-GB" sz="2000" kern="0" dirty="0">
-                <a:solidFill>
-                  <a:srgbClr val="3333FF"/>
-                </a:solidFill>
-                <a:latin typeface="Lucida Console" panose="020B0609040504020204" pitchFamily="49" charset="0"/>
-                <a:cs typeface="Courier New" pitchFamily="49" charset="0"/>
-              </a:rPr>
-              <a:t>= T)</a:t>
+              <a:t> = T)</a:t>
             </a:r>
             <a:endParaRPr lang="en-GB" sz="2400" kern="0" dirty="0">
               <a:latin typeface="+mn-lt"/>
@@ -22314,10 +21704,9 @@
           <a:lstStyle/>
           <a:p>
             <a:r>
-              <a:rPr lang="en-GB" altLang="en-US" sz="2800" dirty="0" smtClean="0"/>
+              <a:rPr lang="en-GB" altLang="en-US" sz="2800" dirty="0"/>
               <a:t>The values we will quote in results</a:t>
             </a:r>
-            <a:endParaRPr lang="en-GB" altLang="en-US" sz="2800" dirty="0"/>
           </a:p>
         </p:txBody>
       </p:sp>
@@ -22415,13 +21804,6 @@
   <p:clrMapOvr>
     <a:masterClrMapping/>
   </p:clrMapOvr>
-  <p:timing>
-    <p:tnLst>
-      <p:par>
-        <p:cTn id="1" dur="indefinite" restart="never" nodeType="tmRoot"/>
-      </p:par>
-    </p:tnLst>
-  </p:timing>
 </p:sld>
 </file>
 
@@ -22510,22 +21892,10 @@
               <a:defRPr/>
             </a:pPr>
             <a:r>
-              <a:rPr lang="en-GB" sz="3200" kern="0" dirty="0" smtClean="0">
-                <a:latin typeface="+mn-lt"/>
-              </a:rPr>
-              <a:t>Check </a:t>
-            </a:r>
-            <a:r>
               <a:rPr lang="en-GB" sz="3200" kern="0" dirty="0">
                 <a:latin typeface="+mn-lt"/>
               </a:rPr>
-              <a:t>the </a:t>
-            </a:r>
-            <a:r>
-              <a:rPr lang="en-GB" sz="3200" kern="0" dirty="0" smtClean="0">
-                <a:latin typeface="+mn-lt"/>
-              </a:rPr>
-              <a:t>assumptions</a:t>
+              <a:t>Check the assumptions</a:t>
             </a:r>
             <a:endParaRPr lang="en-GB" sz="3200" kern="0" dirty="0"/>
           </a:p>
@@ -22564,7 +21934,7 @@
               <a:buSzPct val="90000"/>
               <a:defRPr/>
             </a:pPr>
-            <a:endParaRPr lang="en-GB" sz="3200" kern="0" dirty="0" smtClean="0">
+            <a:endParaRPr lang="en-GB" sz="3200" kern="0" dirty="0">
               <a:latin typeface="+mn-lt"/>
             </a:endParaRPr>
           </a:p>
@@ -22580,7 +21950,7 @@
               <a:defRPr/>
             </a:pPr>
             <a:r>
-              <a:rPr lang="en-GB" sz="3200" kern="0" dirty="0" smtClean="0"/>
+              <a:rPr lang="en-GB" sz="3200" kern="0" dirty="0"/>
               <a:t>First use common sense: mass is a continuous and we would expect it to be normally distributed thus we would expect the residuals to be normally distributed</a:t>
             </a:r>
             <a:endParaRPr lang="en-GB" sz="3200" kern="0" dirty="0">
@@ -22617,10 +21987,6 @@
             <a:r>
               <a:rPr lang="en-GB" altLang="en-US" sz="2800" dirty="0"/>
               <a:t>-tests</a:t>
-            </a:r>
-            <a:r>
-              <a:rPr lang="en-GB" altLang="en-US" dirty="0"/>
-              <a:t/>
             </a:r>
             <a:br>
               <a:rPr lang="en-GB" altLang="en-US" dirty="0"/>
@@ -22650,13 +22016,6 @@
   <p:clrMapOvr>
     <a:masterClrMapping/>
   </p:clrMapOvr>
-  <p:timing>
-    <p:tnLst>
-      <p:par>
-        <p:cTn id="1" dur="indefinite" restart="never" nodeType="tmRoot"/>
-      </p:par>
-    </p:tnLst>
-  </p:timing>
 </p:sld>
 </file>
 
@@ -22780,25 +22139,8 @@
                 <a:latin typeface="Lucida Console" panose="020B0609040504020204" pitchFamily="49" charset="0"/>
                 <a:cs typeface="Courier New" pitchFamily="49" charset="0"/>
               </a:rPr>
-              <a:t>[,1:2], by = </a:t>
-            </a:r>
-            <a:r>
-              <a:rPr lang="en-GB" altLang="en-US" sz="2000" dirty="0" smtClean="0">
-                <a:solidFill>
-                  <a:srgbClr val="3333FF"/>
-                </a:solidFill>
-                <a:latin typeface="Lucida Console" panose="020B0609040504020204" pitchFamily="49" charset="0"/>
-                <a:cs typeface="Courier New" pitchFamily="49" charset="0"/>
-              </a:rPr>
-              <a:t>"subspecies")</a:t>
-            </a:r>
-            <a:endParaRPr lang="en-GB" altLang="en-US" sz="2000" dirty="0">
-              <a:solidFill>
-                <a:srgbClr val="3333FF"/>
-              </a:solidFill>
-              <a:latin typeface="Lucida Console" panose="020B0609040504020204" pitchFamily="49" charset="0"/>
-              <a:cs typeface="Courier New" pitchFamily="49" charset="0"/>
-            </a:endParaRPr>
+              <a:t>[,1:2], by = "subspecies")</a:t>
+            </a:r>
           </a:p>
           <a:p>
             <a:pPr>
@@ -22915,7 +22257,7 @@
               <a:defRPr/>
             </a:pPr>
             <a:r>
-              <a:rPr lang="en-GB" sz="3200" kern="0" dirty="0" smtClean="0">
+              <a:rPr lang="en-GB" sz="3200" kern="0" dirty="0">
                 <a:latin typeface="+mn-lt"/>
               </a:rPr>
               <a:t>Second by plotting residuals: </a:t>
@@ -22933,16 +22275,10 @@
               <a:defRPr/>
             </a:pPr>
             <a:r>
-              <a:rPr lang="en-GB" sz="3200" kern="0" dirty="0" smtClean="0">
-                <a:latin typeface="+mn-lt"/>
-              </a:rPr>
-              <a:t>calculate </a:t>
-            </a:r>
-            <a:r>
               <a:rPr lang="en-GB" sz="3200" kern="0" dirty="0">
                 <a:latin typeface="+mn-lt"/>
               </a:rPr>
-              <a:t>the residuals – the difference between predicted and observed (i.e., group mean and value)</a:t>
+              <a:t>calculate the residuals – the difference between predicted and observed (i.e., group mean and value)</a:t>
             </a:r>
             <a:endParaRPr lang="en-GB" sz="3200" kern="0" dirty="0">
               <a:latin typeface="+mn-lt"/>
@@ -22997,10 +22333,6 @@
               <a:rPr lang="en-GB" altLang="en-US" sz="2800" dirty="0"/>
               <a:t>-tests</a:t>
             </a:r>
-            <a:r>
-              <a:rPr lang="en-GB" altLang="en-US" dirty="0"/>
-              <a:t/>
-            </a:r>
             <a:br>
               <a:rPr lang="en-GB" altLang="en-US" dirty="0"/>
             </a:br>
@@ -23029,13 +22361,6 @@
   <p:clrMapOvr>
     <a:masterClrMapping/>
   </p:clrMapOvr>
-  <p:timing>
-    <p:tnLst>
-      <p:par>
-        <p:cTn id="1" dur="indefinite" restart="never" nodeType="tmRoot"/>
-      </p:par>
-    </p:tnLst>
-  </p:timing>
 </p:sld>
 </file>
 
@@ -23072,10 +22397,9 @@
           <a:lstStyle/>
           <a:p>
             <a:r>
-              <a:rPr lang="en-GB" dirty="0" smtClean="0"/>
+              <a:rPr lang="en-GB" dirty="0"/>
               <a:t>Summary of this week</a:t>
             </a:r>
-            <a:endParaRPr lang="en-GB" dirty="0"/>
           </a:p>
         </p:txBody>
       </p:sp>
@@ -23102,55 +22426,37 @@
           <a:lstStyle/>
           <a:p>
             <a:r>
-              <a:rPr lang="en-GB" dirty="0" smtClean="0"/>
+              <a:rPr lang="en-GB" dirty="0"/>
               <a:t>Independent and non-independent samples</a:t>
             </a:r>
           </a:p>
           <a:p>
             <a:r>
-              <a:rPr lang="en-GB" dirty="0" smtClean="0"/>
+              <a:rPr lang="en-GB" dirty="0"/>
               <a:t>Two-sample-tests</a:t>
             </a:r>
-            <a:endParaRPr lang="en-GB" dirty="0" smtClean="0"/>
           </a:p>
           <a:p>
             <a:pPr lvl="1"/>
             <a:r>
-              <a:rPr lang="en-GB" dirty="0" smtClean="0"/>
-              <a:t>The </a:t>
-            </a:r>
-            <a:r>
-              <a:rPr lang="en-GB" dirty="0" smtClean="0"/>
-              <a:t>two</a:t>
-            </a:r>
-            <a:r>
-              <a:rPr lang="en-GB" dirty="0" smtClean="0"/>
-              <a:t>-sample </a:t>
-            </a:r>
-            <a:r>
-              <a:rPr lang="en-GB" i="1" dirty="0" smtClean="0"/>
+              <a:rPr lang="en-GB" dirty="0"/>
+              <a:t>The two-sample </a:t>
+            </a:r>
+            <a:r>
+              <a:rPr lang="en-GB" i="1" dirty="0"/>
               <a:t>t</a:t>
             </a:r>
             <a:r>
-              <a:rPr lang="en-GB" dirty="0" smtClean="0"/>
+              <a:rPr lang="en-GB" dirty="0"/>
               <a:t>-test</a:t>
             </a:r>
           </a:p>
           <a:p>
             <a:pPr lvl="1"/>
             <a:r>
-              <a:rPr lang="en-GB" dirty="0" smtClean="0"/>
-              <a:t>The two </a:t>
-            </a:r>
-            <a:r>
-              <a:rPr lang="en-GB" dirty="0" smtClean="0"/>
-              <a:t>sample </a:t>
-            </a:r>
-            <a:r>
-              <a:rPr lang="en-GB" dirty="0" smtClean="0"/>
-              <a:t>Wilcoxon, also known as the Mann-Whitney</a:t>
-            </a:r>
-            <a:endParaRPr lang="en-GB" dirty="0" smtClean="0"/>
+              <a:rPr lang="en-GB" dirty="0"/>
+              <a:t>The two sample Wilcoxon, also known as the Mann-Whitney</a:t>
+            </a:r>
           </a:p>
           <a:p>
             <a:r>
@@ -23161,11 +22467,11 @@
           <a:p>
             <a:pPr lvl="1"/>
             <a:r>
-              <a:rPr lang="en-GB" i="1" dirty="0" smtClean="0"/>
+              <a:rPr lang="en-GB" i="1" dirty="0"/>
               <a:t>t</a:t>
             </a:r>
             <a:r>
-              <a:rPr lang="en-GB" dirty="0" smtClean="0"/>
+              <a:rPr lang="en-GB" dirty="0"/>
               <a:t>-tests and their non-parametric equivalents</a:t>
             </a:r>
             <a:endParaRPr lang="en-GB" i="1" dirty="0"/>
@@ -23173,10 +22479,9 @@
           <a:p>
             <a:pPr lvl="1"/>
             <a:r>
-              <a:rPr lang="en-GB" dirty="0" smtClean="0"/>
+              <a:rPr lang="en-GB" dirty="0"/>
               <a:t>Summarising, plotting and reporting</a:t>
             </a:r>
-            <a:endParaRPr lang="en-GB" dirty="0"/>
           </a:p>
         </p:txBody>
       </p:sp>
@@ -23214,13 +22519,6 @@
   <p:clrMapOvr>
     <a:masterClrMapping/>
   </p:clrMapOvr>
-  <p:timing>
-    <p:tnLst>
-      <p:par>
-        <p:cTn id="1" dur="indefinite" restart="never" nodeType="tmRoot"/>
-      </p:par>
-    </p:tnLst>
-  </p:timing>
 </p:sld>
 </file>
 
@@ -23324,13 +22622,7 @@
               <a:rPr lang="en-GB" sz="3200" kern="0" dirty="0">
                 <a:latin typeface="+mn-lt"/>
               </a:rPr>
-              <a:t> distributed </a:t>
-            </a:r>
-            <a:r>
-              <a:rPr lang="en-GB" sz="3200" kern="0" dirty="0" smtClean="0">
-                <a:latin typeface="+mn-lt"/>
-              </a:rPr>
-              <a:t>residuals</a:t>
+              <a:t> distributed residuals</a:t>
             </a:r>
             <a:endParaRPr lang="en-GB" sz="3200" kern="0" dirty="0">
               <a:latin typeface="+mn-lt"/>
@@ -23384,10 +22676,6 @@
             <a:r>
               <a:rPr lang="en-GB" altLang="en-US" sz="2800" dirty="0"/>
               <a:t>-tests</a:t>
-            </a:r>
-            <a:r>
-              <a:rPr lang="en-GB" altLang="en-US" dirty="0"/>
-              <a:t/>
             </a:r>
             <a:br>
               <a:rPr lang="en-GB" altLang="en-US" dirty="0"/>
@@ -23579,23 +22867,8 @@
               <a:rPr lang="en-GB" sz="3200" kern="0" dirty="0">
                 <a:sym typeface="Wingdings" pitchFamily="2" charset="2"/>
               </a:rPr>
-              <a:t>Variance is about the </a:t>
-            </a:r>
-            <a:r>
-              <a:rPr lang="en-GB" sz="3200" kern="0" dirty="0" smtClean="0">
-                <a:sym typeface="Wingdings" pitchFamily="2" charset="2"/>
-              </a:rPr>
-              <a:t>same for </a:t>
-            </a:r>
-            <a:r>
-              <a:rPr lang="en-GB" sz="3200" kern="0" dirty="0">
-                <a:sym typeface="Wingdings" pitchFamily="2" charset="2"/>
-              </a:rPr>
-              <a:t>all values of x</a:t>
-            </a:r>
-            <a:endParaRPr lang="en-GB" sz="3200" kern="0" dirty="0">
-              <a:sym typeface="Wingdings" pitchFamily="2" charset="2"/>
-            </a:endParaRPr>
+              <a:t>Variance is about the same for all values of x</a:t>
+            </a:r>
           </a:p>
         </p:txBody>
       </p:sp>
@@ -23609,13 +22882,6 @@
   <p:clrMapOvr>
     <a:masterClrMapping/>
   </p:clrMapOvr>
-  <p:timing>
-    <p:tnLst>
-      <p:par>
-        <p:cTn id="1" dur="indefinite" restart="never" nodeType="tmRoot"/>
-      </p:par>
-    </p:tnLst>
-  </p:timing>
 </p:sld>
 </file>
 
@@ -23773,25 +23039,8 @@
                 <a:latin typeface="Lucida Console" panose="020B0609040504020204" pitchFamily="49" charset="0"/>
                 <a:cs typeface="Courier New" pitchFamily="49" charset="0"/>
               </a:rPr>
-              <a:t>(bins = </a:t>
-            </a:r>
-            <a:r>
-              <a:rPr lang="en-GB" altLang="en-US" sz="1600" dirty="0" smtClean="0">
-                <a:solidFill>
-                  <a:srgbClr val="3333FF"/>
-                </a:solidFill>
-                <a:latin typeface="Lucida Console" panose="020B0609040504020204" pitchFamily="49" charset="0"/>
-                <a:cs typeface="Courier New" pitchFamily="49" charset="0"/>
-              </a:rPr>
-              <a:t>10)</a:t>
-            </a:r>
-            <a:endParaRPr lang="en-GB" altLang="en-US" sz="1600" dirty="0">
-              <a:solidFill>
-                <a:srgbClr val="3333FF"/>
-              </a:solidFill>
-              <a:latin typeface="Lucida Console" panose="020B0609040504020204" pitchFamily="49" charset="0"/>
-              <a:cs typeface="Courier New" pitchFamily="49" charset="0"/>
-            </a:endParaRPr>
+              <a:t>(bins = 10)</a:t>
+            </a:r>
           </a:p>
         </p:txBody>
       </p:sp>
@@ -23849,17 +23098,8 @@
               <a:rPr lang="en-GB" sz="3200" kern="0" dirty="0">
                 <a:latin typeface="+mn-lt"/>
               </a:rPr>
-              <a:t> and homogenously distributed </a:t>
-            </a:r>
-            <a:r>
-              <a:rPr lang="en-GB" sz="3200" kern="0" dirty="0" smtClean="0">
-                <a:latin typeface="+mn-lt"/>
-              </a:rPr>
-              <a:t>residuals</a:t>
-            </a:r>
-            <a:endParaRPr lang="en-GB" sz="3200" kern="0" dirty="0">
-              <a:latin typeface="+mn-lt"/>
-            </a:endParaRPr>
+              <a:t> and homogenously distributed residuals</a:t>
+            </a:r>
           </a:p>
         </p:txBody>
       </p:sp>
@@ -23891,10 +23131,6 @@
             <a:r>
               <a:rPr lang="en-GB" altLang="en-US" sz="2800" dirty="0"/>
               <a:t>-tests</a:t>
-            </a:r>
-            <a:r>
-              <a:rPr lang="en-GB" altLang="en-US" dirty="0"/>
-              <a:t/>
             </a:r>
             <a:br>
               <a:rPr lang="en-GB" altLang="en-US" dirty="0"/>
@@ -23970,7 +23206,7 @@
               <a:defRPr/>
             </a:pPr>
             <a:r>
-              <a:rPr lang="en-GB" sz="3200" kern="0" dirty="0" smtClean="0">
+              <a:rPr lang="en-GB" sz="3200" kern="0" dirty="0">
                 <a:sym typeface="Wingdings" pitchFamily="2" charset="2"/>
               </a:rPr>
               <a:t>Looks roughly normal</a:t>
@@ -23988,14 +23224,11 @@
               <a:defRPr/>
             </a:pPr>
             <a:r>
-              <a:rPr lang="en-GB" sz="3200" kern="0" dirty="0" smtClean="0">
+              <a:rPr lang="en-GB" sz="3200" kern="0" dirty="0">
                 <a:sym typeface="Wingdings" pitchFamily="2" charset="2"/>
               </a:rPr>
               <a:t>symmetrical </a:t>
             </a:r>
-            <a:endParaRPr lang="en-GB" sz="3200" kern="0" dirty="0">
-              <a:sym typeface="Wingdings" pitchFamily="2" charset="2"/>
-            </a:endParaRPr>
           </a:p>
         </p:txBody>
       </p:sp>
@@ -24009,13 +23242,6 @@
   <p:clrMapOvr>
     <a:masterClrMapping/>
   </p:clrMapOvr>
-  <p:timing>
-    <p:tnLst>
-      <p:par>
-        <p:cTn id="1" dur="indefinite" restart="never" nodeType="tmRoot"/>
-      </p:par>
-    </p:tnLst>
-  </p:timing>
 </p:sld>
 </file>
 
@@ -24122,7 +23348,7 @@
               <a:t>chaff$residual</a:t>
             </a:r>
             <a:r>
-              <a:rPr lang="en-GB" altLang="en-US" sz="1600" dirty="0" smtClean="0">
+              <a:rPr lang="en-GB" altLang="en-US" sz="1600" dirty="0">
                 <a:solidFill>
                   <a:srgbClr val="3333FF"/>
                 </a:solidFill>
@@ -24133,7 +23359,7 @@
             </a:r>
           </a:p>
           <a:p>
-            <a:endParaRPr lang="en-GB" altLang="en-US" sz="1600" dirty="0" smtClean="0">
+            <a:endParaRPr lang="en-GB" altLang="en-US" sz="1600" dirty="0">
               <a:solidFill>
                 <a:srgbClr val="3333FF"/>
               </a:solidFill>
@@ -24245,17 +23471,8 @@
               <a:rPr lang="en-GB" sz="3200" kern="0" dirty="0">
                 <a:latin typeface="+mn-lt"/>
               </a:rPr>
-              <a:t> and homogenously distributed </a:t>
-            </a:r>
-            <a:r>
-              <a:rPr lang="en-GB" sz="3200" kern="0" dirty="0" smtClean="0">
-                <a:latin typeface="+mn-lt"/>
-              </a:rPr>
-              <a:t>residuals</a:t>
-            </a:r>
-            <a:endParaRPr lang="en-GB" sz="3200" kern="0" dirty="0">
-              <a:latin typeface="+mn-lt"/>
-            </a:endParaRPr>
+              <a:t> and homogenously distributed residuals</a:t>
+            </a:r>
           </a:p>
         </p:txBody>
       </p:sp>
@@ -24287,10 +23504,6 @@
             <a:r>
               <a:rPr lang="en-GB" altLang="en-US" sz="2800" dirty="0"/>
               <a:t>-tests</a:t>
-            </a:r>
-            <a:r>
-              <a:rPr lang="en-GB" altLang="en-US" dirty="0"/>
-              <a:t/>
             </a:r>
             <a:br>
               <a:rPr lang="en-GB" altLang="en-US" dirty="0"/>
@@ -24342,14 +23555,11 @@
               <a:defRPr/>
             </a:pPr>
             <a:r>
-              <a:rPr lang="en-GB" sz="3200" kern="0" dirty="0" smtClean="0">
+              <a:rPr lang="en-GB" sz="3200" kern="0" dirty="0">
                 <a:sym typeface="Wingdings" pitchFamily="2" charset="2"/>
               </a:rPr>
               <a:t>Not significantly different from a normal distribution</a:t>
             </a:r>
-            <a:endParaRPr lang="en-GB" sz="3200" kern="0" dirty="0">
-              <a:sym typeface="Wingdings" pitchFamily="2" charset="2"/>
-            </a:endParaRPr>
           </a:p>
         </p:txBody>
       </p:sp>
@@ -24363,13 +23573,6 @@
   <p:clrMapOvr>
     <a:masterClrMapping/>
   </p:clrMapOvr>
-  <p:timing>
-    <p:tnLst>
-      <p:par>
-        <p:cTn id="1" dur="indefinite" restart="never" nodeType="tmRoot"/>
-      </p:par>
-    </p:tnLst>
-  </p:timing>
 </p:sld>
 </file>
 
@@ -25077,10 +24280,6 @@
               <a:rPr lang="en-GB" altLang="en-US" sz="2800" dirty="0"/>
               <a:t>-tests</a:t>
             </a:r>
-            <a:r>
-              <a:rPr lang="en-GB" altLang="en-US" dirty="0"/>
-              <a:t/>
-            </a:r>
             <a:br>
               <a:rPr lang="en-GB" altLang="en-US" dirty="0"/>
             </a:br>
@@ -25331,8 +24530,8 @@
           </a:p>
         </p:txBody>
       </p:sp>
-      <mc:AlternateContent xmlns:mc="http://schemas.openxmlformats.org/markup-compatibility/2006">
-        <mc:Choice xmlns:a14="http://schemas.microsoft.com/office/drawing/2010/main" Requires="a14">
+      <mc:AlternateContent xmlns:mc="http://schemas.openxmlformats.org/markup-compatibility/2006" xmlns:a14="http://schemas.microsoft.com/office/drawing/2010/main">
+        <mc:Choice Requires="a14">
           <p:sp>
             <p:nvSpPr>
               <p:cNvPr id="20" name="Rectangle 3"/>
@@ -25500,20 +24699,12 @@
                   <a:defRPr/>
                 </a:pPr>
                 <a:r>
-                  <a:rPr lang="en-GB" dirty="0" err="1" smtClean="0"/>
+                  <a:rPr lang="en-GB" dirty="0" err="1"/>
                   <a:t>Canariensis</a:t>
                 </a:r>
                 <a:r>
-                  <a:rPr lang="en-GB" dirty="0" smtClean="0"/>
-                  <a:t> </a:t>
-                </a:r>
-                <a:r>
-                  <a:rPr lang="en-GB" dirty="0" smtClean="0"/>
-                  <a:t>chaffinches </a:t>
-                </a:r>
-                <a:r>
                   <a:rPr lang="en-GB" dirty="0"/>
-                  <a:t>(</a:t>
+                  <a:t> chaffinches (</a:t>
                 </a:r>
                 <a14:m>
                   <m:oMath xmlns:m="http://schemas.openxmlformats.org/officeDocument/2006/math">
@@ -25596,11 +24787,7 @@
                 </a:r>
                 <a:r>
                   <a:rPr lang="en-GB" dirty="0"/>
-                  <a:t> </a:t>
-                </a:r>
-                <a:r>
-                  <a:rPr lang="en-GB" dirty="0" smtClean="0"/>
-                  <a:t>(</a:t>
+                  <a:t> (</a:t>
                 </a:r>
                 <a14:m>
                   <m:oMath xmlns:m="http://schemas.openxmlformats.org/officeDocument/2006/math">
@@ -25680,7 +24867,7 @@
             </p:txBody>
           </p:sp>
         </mc:Choice>
-        <mc:Fallback>
+        <mc:Fallback xmlns="">
           <p:sp>
             <p:nvSpPr>
               <p:cNvPr id="20" name="Rectangle 3"/>
@@ -25729,13 +24916,6 @@
   <p:clrMapOvr>
     <a:masterClrMapping/>
   </p:clrMapOvr>
-  <p:timing>
-    <p:tnLst>
-      <p:par>
-        <p:cTn id="1" dur="indefinite" restart="never" nodeType="tmRoot"/>
-      </p:par>
-    </p:tnLst>
-  </p:timing>
 </p:sld>
 </file>
 
@@ -26041,10 +25221,6 @@
               <a:rPr lang="en-GB" altLang="en-US" sz="2800" dirty="0"/>
               <a:t>-tests</a:t>
             </a:r>
-            <a:r>
-              <a:rPr lang="en-GB" altLang="en-US" dirty="0"/>
-              <a:t/>
-            </a:r>
             <a:br>
               <a:rPr lang="en-GB" altLang="en-US" dirty="0"/>
             </a:br>
@@ -26302,13 +25478,6 @@
   <p:clrMapOvr>
     <a:masterClrMapping/>
   </p:clrMapOvr>
-  <p:timing>
-    <p:tnLst>
-      <p:par>
-        <p:cTn id="1" dur="indefinite" restart="never" nodeType="tmRoot"/>
-      </p:par>
-    </p:tnLst>
-  </p:timing>
 </p:sld>
 </file>
 
@@ -26613,10 +25782,6 @@
             <a:r>
               <a:rPr lang="en-GB" altLang="en-US" sz="2800" dirty="0"/>
               <a:t>-tests</a:t>
-            </a:r>
-            <a:r>
-              <a:rPr lang="en-GB" altLang="en-US" dirty="0"/>
-              <a:t/>
             </a:r>
             <a:br>
               <a:rPr lang="en-GB" altLang="en-US" dirty="0"/>
@@ -26694,25 +25859,7 @@
                           </a:solidFill>
                           <a:effectLst/>
                         </a:rPr>
-                        <a:t>Figure 1. Mean </a:t>
-                      </a:r>
-                      <a:r>
-                        <a:rPr lang="en-GB" sz="1800" dirty="0" smtClean="0">
-                          <a:solidFill>
-                            <a:schemeClr val="tx1"/>
-                          </a:solidFill>
-                          <a:effectLst/>
-                        </a:rPr>
-                        <a:t>two subspecies of chaffinch. </a:t>
-                      </a:r>
-                      <a:r>
-                        <a:rPr lang="en-GB" sz="1800" dirty="0">
-                          <a:solidFill>
-                            <a:schemeClr val="tx1"/>
-                          </a:solidFill>
-                          <a:effectLst/>
-                        </a:rPr>
-                        <a:t>Error bars are means +/- one standard error.</a:t>
+                        <a:t>Figure 1. Mean two subspecies of chaffinch. Error bars are means +/- one standard error.</a:t>
                       </a:r>
                       <a:endParaRPr lang="en-GB" sz="1800" dirty="0">
                         <a:solidFill>
@@ -26897,13 +26044,6 @@
   <p:clrMapOvr>
     <a:masterClrMapping/>
   </p:clrMapOvr>
-  <p:timing>
-    <p:tnLst>
-      <p:par>
-        <p:cTn id="1" dur="indefinite" restart="never" nodeType="tmRoot"/>
-      </p:par>
-    </p:tnLst>
-  </p:timing>
 </p:sld>
 </file>
 
@@ -26999,20 +26139,12 @@
               <a:rPr lang="en-GB" altLang="en-US" sz="2800" dirty="0"/>
               <a:t>-tests</a:t>
             </a:r>
-            <a:r>
-              <a:rPr lang="en-GB" altLang="en-US" dirty="0"/>
-              <a:t/>
-            </a:r>
             <a:br>
               <a:rPr lang="en-GB" altLang="en-US" dirty="0"/>
             </a:br>
             <a:r>
               <a:rPr lang="en-GB" altLang="en-US" dirty="0"/>
-              <a:t>T</a:t>
-            </a:r>
-            <a:r>
-              <a:rPr lang="en-GB" altLang="en-US" dirty="0" smtClean="0"/>
-              <a:t>wo-sample </a:t>
+              <a:t>Two-sample </a:t>
             </a:r>
             <a:r>
               <a:rPr lang="en-GB" altLang="en-US" i="1" dirty="0"/>
@@ -27020,13 +26152,8 @@
             </a:r>
             <a:r>
               <a:rPr lang="en-GB" altLang="en-US" dirty="0"/>
-              <a:t>tests - </a:t>
-            </a:r>
-            <a:r>
-              <a:rPr lang="en-GB" altLang="en-US" dirty="0" smtClean="0"/>
-              <a:t>summary</a:t>
-            </a:r>
-            <a:endParaRPr lang="en-GB" altLang="en-US" dirty="0"/>
+              <a:t>tests - summary</a:t>
+            </a:r>
           </a:p>
         </p:txBody>
       </p:sp>
@@ -27068,7 +26195,7 @@
               <a:defRPr/>
             </a:pPr>
             <a:r>
-              <a:rPr lang="en-GB" sz="2800" kern="0" dirty="0" smtClean="0"/>
+              <a:rPr lang="en-GB" sz="2800" kern="0" dirty="0"/>
               <a:t>Parametric</a:t>
             </a:r>
           </a:p>
@@ -27083,18 +26210,9 @@
               <a:defRPr/>
             </a:pPr>
             <a:r>
-              <a:rPr lang="en-GB" sz="2800" kern="0" dirty="0" smtClean="0"/>
-              <a:t>To </a:t>
-            </a:r>
-            <a:r>
               <a:rPr lang="en-GB" sz="2800" kern="0" dirty="0"/>
-              <a:t>test </a:t>
-            </a:r>
-            <a:r>
-              <a:rPr lang="en-GB" sz="2800" kern="0" dirty="0" smtClean="0"/>
-              <a:t>for a difference between two independent means</a:t>
-            </a:r>
-            <a:endParaRPr lang="en-GB" sz="2800" kern="0" dirty="0"/>
+              <a:t>To test for a difference between two independent means</a:t>
+            </a:r>
           </a:p>
           <a:p>
             <a:pPr marL="457200" indent="-457200" eaLnBrk="0" hangingPunct="0">
@@ -27107,24 +26225,12 @@
               <a:defRPr/>
             </a:pPr>
             <a:r>
-              <a:rPr lang="en-GB" sz="2800" i="1" kern="0" dirty="0" smtClean="0"/>
+              <a:rPr lang="en-GB" sz="2800" i="1" kern="0" dirty="0"/>
               <a:t>t</a:t>
             </a:r>
             <a:r>
-              <a:rPr lang="en-GB" sz="2800" kern="0" dirty="0" smtClean="0"/>
-              <a:t> </a:t>
-            </a:r>
-            <a:r>
               <a:rPr lang="en-GB" sz="2800" kern="0" dirty="0"/>
-              <a:t>is </a:t>
-            </a:r>
-            <a:r>
-              <a:rPr lang="en-GB" sz="2800" kern="0" dirty="0" smtClean="0"/>
-              <a:t>size of difference relative </a:t>
-            </a:r>
-            <a:r>
-              <a:rPr lang="en-GB" sz="2800" kern="0" dirty="0"/>
-              <a:t>to the </a:t>
+              <a:t> is size of difference relative to the </a:t>
             </a:r>
             <a:r>
               <a:rPr lang="en-GB" sz="2800" kern="0" dirty="0" err="1"/>
@@ -27138,7 +26244,7 @@
               <a:buChar char="•"/>
             </a:pPr>
             <a:r>
-              <a:rPr lang="en-GB" sz="2800" kern="0" dirty="0" smtClean="0"/>
+              <a:rPr lang="en-GB" sz="2800" kern="0" dirty="0"/>
               <a:t>Function in R:</a:t>
             </a:r>
           </a:p>
@@ -27151,53 +26257,38 @@
               <a:t>t.test(data = </a:t>
             </a:r>
             <a:r>
-              <a:rPr lang="it-IT" sz="2000" i="1" kern="0" dirty="0" smtClean="0">
+              <a:rPr lang="it-IT" sz="2000" i="1" kern="0" dirty="0">
                 <a:latin typeface="Lucida Console" panose="020B0609040504020204" pitchFamily="49" charset="0"/>
               </a:rPr>
               <a:t>df</a:t>
             </a:r>
-            <a:r>
-              <a:rPr lang="it-IT" sz="2000" kern="0" dirty="0" smtClean="0">
-                <a:latin typeface="Lucida Console" panose="020B0609040504020204" pitchFamily="49" charset="0"/>
-              </a:rPr>
-              <a:t>, </a:t>
-            </a:r>
-            <a:r>
-              <a:rPr lang="it-IT" sz="2000" i="1" kern="0" dirty="0" smtClean="0">
-                <a:latin typeface="Lucida Console" panose="020B0609040504020204" pitchFamily="49" charset="0"/>
-              </a:rPr>
-              <a:t>response ~ explanatory</a:t>
-            </a:r>
-            <a:r>
-              <a:rPr lang="it-IT" sz="2000" kern="0" dirty="0" smtClean="0">
-                <a:latin typeface="Lucida Console" panose="020B0609040504020204" pitchFamily="49" charset="0"/>
-              </a:rPr>
-              <a:t>,</a:t>
-            </a:r>
-          </a:p>
-          <a:p>
-            <a:pPr lvl="1"/>
             <a:r>
               <a:rPr lang="it-IT" sz="2000" kern="0" dirty="0">
                 <a:latin typeface="Lucida Console" panose="020B0609040504020204" pitchFamily="49" charset="0"/>
               </a:rPr>
-              <a:t> </a:t>
-            </a:r>
-            <a:r>
-              <a:rPr lang="it-IT" sz="2000" kern="0" dirty="0" smtClean="0">
+              <a:t>, </a:t>
+            </a:r>
+            <a:r>
+              <a:rPr lang="it-IT" sz="2000" i="1" kern="0" dirty="0">
                 <a:latin typeface="Lucida Console" panose="020B0609040504020204" pitchFamily="49" charset="0"/>
               </a:rPr>
-              <a:t>    </a:t>
-            </a:r>
-            <a:r>
-              <a:rPr lang="it-IT" sz="2000" kern="0" dirty="0" smtClean="0">
+              <a:t>response ~ explanatory</a:t>
+            </a:r>
+            <a:r>
+              <a:rPr lang="it-IT" sz="2000" kern="0" dirty="0">
                 <a:latin typeface="Lucida Console" panose="020B0609040504020204" pitchFamily="49" charset="0"/>
               </a:rPr>
-              <a:t> var.equal = TRUE)</a:t>
-            </a:r>
-            <a:endParaRPr lang="it-IT" sz="2000" kern="0" dirty="0">
-              <a:latin typeface="Lucida Console" panose="020B0609040504020204" pitchFamily="49" charset="0"/>
-            </a:endParaRPr>
+              <a:t>,</a:t>
+            </a:r>
+          </a:p>
+          <a:p>
+            <a:pPr lvl="1"/>
+            <a:r>
+              <a:rPr lang="it-IT" sz="2000" kern="0" dirty="0">
+                <a:latin typeface="Lucida Console" panose="020B0609040504020204" pitchFamily="49" charset="0"/>
+              </a:rPr>
+              <a:t>      var.equal = TRUE)</a:t>
+            </a:r>
           </a:p>
           <a:p>
             <a:pPr marL="457200" indent="-457200">
@@ -27205,15 +26296,15 @@
               <a:buChar char="•"/>
             </a:pPr>
             <a:r>
-              <a:rPr lang="en-US" sz="2800" kern="0" dirty="0" smtClean="0"/>
+              <a:rPr lang="en-US" sz="2800" kern="0" dirty="0"/>
               <a:t>If </a:t>
             </a:r>
             <a:r>
-              <a:rPr lang="en-US" sz="2800" i="1" kern="0" dirty="0" smtClean="0"/>
+              <a:rPr lang="en-US" sz="2800" i="1" kern="0" dirty="0"/>
               <a:t>p</a:t>
             </a:r>
             <a:r>
-              <a:rPr lang="en-US" sz="2800" kern="0" dirty="0" smtClean="0"/>
+              <a:rPr lang="en-US" sz="2800" kern="0" dirty="0"/>
               <a:t> &lt; 0.05 the test is significant</a:t>
             </a:r>
           </a:p>
@@ -27223,16 +26314,8 @@
               <a:buChar char="•"/>
             </a:pPr>
             <a:r>
-              <a:rPr lang="en-US" sz="2800" kern="0" dirty="0" smtClean="0"/>
-              <a:t>assumptions</a:t>
-            </a:r>
-            <a:r>
               <a:rPr lang="en-US" sz="2800" kern="0" dirty="0"/>
-              <a:t>: normally and homogenously distributed </a:t>
-            </a:r>
-            <a:r>
-              <a:rPr lang="en-US" sz="2800" kern="0" dirty="0" smtClean="0"/>
-              <a:t>residuals</a:t>
+              <a:t>assumptions: normally and homogenously distributed residuals</a:t>
             </a:r>
           </a:p>
           <a:p>
@@ -27241,7 +26324,7 @@
               <a:buChar char="•"/>
             </a:pPr>
             <a:r>
-              <a:rPr lang="en-US" sz="2800" kern="0" dirty="0" smtClean="0"/>
+              <a:rPr lang="en-US" sz="2800" kern="0" dirty="0"/>
               <a:t>Significance, direction, magnitude</a:t>
             </a:r>
           </a:p>
@@ -27251,21 +26334,17 @@
               <a:buChar char="•"/>
             </a:pPr>
             <a:r>
-              <a:rPr lang="en-US" sz="2800" kern="0" dirty="0" smtClean="0"/>
-              <a:t>Figure: </a:t>
-            </a:r>
-            <a:r>
-              <a:rPr lang="en-US" sz="2800" kern="0" dirty="0" smtClean="0"/>
-              <a:t>data and ‘model’</a:t>
-            </a:r>
-            <a:endParaRPr lang="en-GB" sz="2800" kern="0" dirty="0" smtClean="0"/>
+              <a:rPr lang="en-US" sz="2800" kern="0" dirty="0"/>
+              <a:t>Figure: data and ‘model’</a:t>
+            </a:r>
+            <a:endParaRPr lang="en-GB" sz="2800" kern="0" dirty="0"/>
           </a:p>
           <a:p>
             <a:pPr marL="457200" indent="-457200">
               <a:buFont typeface="Arial" panose="020B0604020202020204" pitchFamily="34" charset="0"/>
               <a:buChar char="•"/>
             </a:pPr>
-            <a:endParaRPr lang="en-GB" sz="2800" kern="0" dirty="0" smtClean="0"/>
+            <a:endParaRPr lang="en-GB" sz="2800" kern="0" dirty="0"/>
           </a:p>
           <a:p>
             <a:pPr>
@@ -27273,7 +26352,7 @@
               <a:buNone/>
             </a:pPr>
             <a:r>
-              <a:rPr lang="en-GB" sz="2800" kern="0" dirty="0" smtClean="0"/>
+              <a:rPr lang="en-GB" sz="2800" kern="0" dirty="0"/>
               <a:t> </a:t>
             </a:r>
             <a:endParaRPr lang="it-IT" altLang="en-US" sz="2800" dirty="0">
@@ -27296,13 +26375,6 @@
   <p:clrMapOvr>
     <a:masterClrMapping/>
   </p:clrMapOvr>
-  <p:timing>
-    <p:tnLst>
-      <p:par>
-        <p:cTn id="1" dur="indefinite" restart="never" nodeType="tmRoot"/>
-      </p:par>
-    </p:tnLst>
-  </p:timing>
 </p:sld>
 </file>
 
@@ -27342,25 +26414,13 @@
           <a:p>
             <a:r>
               <a:rPr lang="en-US" dirty="0"/>
-              <a:t>The </a:t>
-            </a:r>
-            <a:r>
-              <a:rPr lang="en-US" dirty="0" smtClean="0"/>
-              <a:t>two </a:t>
-            </a:r>
-            <a:r>
+              <a:t>The two sample Wilcoxon</a:t>
+            </a:r>
+            <a:br>
               <a:rPr lang="en-US" dirty="0"/>
-              <a:t>sample </a:t>
-            </a:r>
-            <a:r>
-              <a:rPr lang="en-US" dirty="0" smtClean="0"/>
-              <a:t>Wilcoxon</a:t>
-            </a:r>
-            <a:br>
-              <a:rPr lang="en-US" dirty="0" smtClean="0"/>
             </a:br>
             <a:r>
-              <a:rPr lang="en-US" dirty="0" smtClean="0"/>
+              <a:rPr lang="en-US" dirty="0"/>
               <a:t>also known as the Mann-Whitney</a:t>
             </a:r>
             <a:endParaRPr lang="en-GB" dirty="0"/>
@@ -27383,22 +26443,17 @@
           <a:lstStyle/>
           <a:p>
             <a:r>
-              <a:rPr lang="en-US" dirty="0" smtClean="0"/>
-              <a:t>Non-parametric equivalent of the </a:t>
-            </a:r>
-            <a:r>
-              <a:rPr lang="en-US" dirty="0" smtClean="0"/>
-              <a:t>two-sample </a:t>
-            </a:r>
-            <a:r>
-              <a:rPr lang="en-US" i="1" dirty="0" smtClean="0"/>
+              <a:rPr lang="en-US" dirty="0"/>
+              <a:t>Non-parametric equivalent of the two-sample </a:t>
+            </a:r>
+            <a:r>
+              <a:rPr lang="en-US" i="1" dirty="0"/>
               <a:t>t</a:t>
             </a:r>
             <a:r>
-              <a:rPr lang="en-US" dirty="0" smtClean="0"/>
+              <a:rPr lang="en-US" dirty="0"/>
               <a:t>-test</a:t>
             </a:r>
-            <a:endParaRPr lang="en-US" dirty="0"/>
           </a:p>
         </p:txBody>
       </p:sp>
@@ -27436,13 +26491,6 @@
   <p:clrMapOvr>
     <a:masterClrMapping/>
   </p:clrMapOvr>
-  <p:timing>
-    <p:tnLst>
-      <p:par>
-        <p:cTn id="1" dur="indefinite" restart="never" nodeType="tmRoot"/>
-      </p:par>
-    </p:tnLst>
-  </p:timing>
 </p:sld>
 </file>
 
@@ -27764,13 +26812,6 @@
   <p:clrMapOvr>
     <a:masterClrMapping/>
   </p:clrMapOvr>
-  <p:timing>
-    <p:tnLst>
-      <p:par>
-        <p:cTn id="1" dur="indefinite" restart="never" nodeType="tmRoot"/>
-      </p:par>
-    </p:tnLst>
-  </p:timing>
 </p:sld>
 </file>
 
@@ -27818,10 +26859,6 @@
               <a:rPr lang="en-GB" altLang="en-US" sz="2800" dirty="0"/>
               <a:t>Non-parametric tests</a:t>
             </a:r>
-            <a:r>
-              <a:rPr lang="en-GB" altLang="en-US" dirty="0"/>
-              <a:t/>
-            </a:r>
             <a:br>
               <a:rPr lang="en-GB" altLang="en-US" dirty="0"/>
             </a:br>
@@ -28126,13 +27163,8 @@
             </a:r>
             <a:r>
               <a:rPr lang="en-GB" dirty="0"/>
-              <a:t>,.e., the type of question is the same but the response variable is not normally </a:t>
-            </a:r>
-            <a:r>
-              <a:rPr lang="en-GB" dirty="0" smtClean="0"/>
-              <a:t>distributed or it is impossible to tell (small samples)</a:t>
-            </a:r>
-            <a:endParaRPr lang="en-GB" dirty="0"/>
+              <a:t>,.e., the type of question is the same but the response variable is not normally distributed or it is impossible to tell (small samples)</a:t>
+            </a:r>
           </a:p>
           <a:p>
             <a:r>
@@ -28167,15 +27199,7 @@
             </a:r>
             <a:r>
               <a:rPr lang="en-GB" dirty="0"/>
-              <a:t>-test (next </a:t>
-            </a:r>
-            <a:r>
-              <a:rPr lang="en-GB" dirty="0" smtClean="0"/>
-              <a:t>week): </a:t>
-            </a:r>
-            <a:r>
-              <a:rPr lang="en-GB" dirty="0"/>
-              <a:t>two-sample Wilcoxon aka Mann-Whitney</a:t>
+              <a:t>-test (next week): two-sample Wilcoxon aka Mann-Whitney</a:t>
             </a:r>
           </a:p>
         </p:txBody>
@@ -28190,13 +27214,6 @@
   <p:clrMapOvr>
     <a:masterClrMapping/>
   </p:clrMapOvr>
-  <p:timing>
-    <p:tnLst>
-      <p:par>
-        <p:cTn id="1" dur="indefinite" restart="never" nodeType="tmRoot"/>
-      </p:par>
-    </p:tnLst>
-  </p:timing>
 </p:sld>
 </file>
 
@@ -28261,17 +27278,12 @@
             </a:pPr>
             <a:r>
               <a:rPr lang="en-US" dirty="0"/>
-              <a:t>By actively following the material and carrying out the independent study the successful student will be able </a:t>
-            </a:r>
-            <a:r>
-              <a:rPr lang="en-US" dirty="0" smtClean="0"/>
-              <a:t>to</a:t>
-            </a:r>
-            <a:r>
-              <a:rPr lang="en-GB" dirty="0" smtClean="0"/>
+              <a:t>By actively following the material and carrying out the independent study the successful student will be able to</a:t>
+            </a:r>
+            <a:r>
+              <a:rPr lang="en-GB" dirty="0"/>
               <a:t>:</a:t>
             </a:r>
-            <a:endParaRPr lang="en-GB" dirty="0"/>
           </a:p>
           <a:p>
             <a:r>
@@ -28281,12 +27293,8 @@
           </a:p>
           <a:p>
             <a:r>
-              <a:rPr lang="en-GB" dirty="0" smtClean="0"/>
-              <a:t>Select</a:t>
-            </a:r>
-            <a:r>
               <a:rPr lang="en-GB" dirty="0"/>
-              <a:t>, appropriately, </a:t>
+              <a:t>Select, appropriately, </a:t>
             </a:r>
             <a:r>
               <a:rPr lang="en-GB" i="1" dirty="0"/>
@@ -28299,32 +27307,20 @@
           </a:p>
           <a:p>
             <a:r>
-              <a:rPr lang="en-GB" dirty="0" smtClean="0"/>
-              <a:t>Know </a:t>
-            </a:r>
-            <a:r>
               <a:rPr lang="en-GB" dirty="0"/>
-              <a:t>what functions are used in R to run these tests and how to interpret them(MLO 3 and 4)</a:t>
+              <a:t>Know what functions are used in R to run these tests and how to interpret them(MLO 3 and 4)</a:t>
             </a:r>
           </a:p>
           <a:p>
             <a:r>
               <a:rPr lang="en-GB" dirty="0"/>
-              <a:t>Know how to state the results of these tests scientifically (MLO 3 and 4</a:t>
-            </a:r>
-            <a:r>
-              <a:rPr lang="en-GB" dirty="0" smtClean="0"/>
-              <a:t>)</a:t>
-            </a:r>
-          </a:p>
-          <a:p>
-            <a:r>
-              <a:rPr lang="en-GB" dirty="0" smtClean="0"/>
-              <a:t>Create figures for these tests which are suitable for including in a scientific report </a:t>
-            </a:r>
+              <a:t>Know how to state the results of these tests scientifically (MLO 3 and 4)</a:t>
+            </a:r>
+          </a:p>
+          <a:p>
             <a:r>
               <a:rPr lang="en-GB" dirty="0"/>
-              <a:t>(MLO 3 and 4)</a:t>
+              <a:t>Create figures for these tests which are suitable for including in a scientific report (MLO 3 and 4)</a:t>
             </a:r>
           </a:p>
           <a:p>
@@ -28369,13 +27365,6 @@
   <p:clrMapOvr>
     <a:masterClrMapping/>
   </p:clrMapOvr>
-  <p:timing>
-    <p:tnLst>
-      <p:par>
-        <p:cTn id="1" dur="indefinite" restart="never" nodeType="tmRoot"/>
-      </p:par>
-    </p:tnLst>
-  </p:timing>
 </p:sld>
 </file>
 
@@ -28499,15 +27488,7 @@
           <a:p>
             <a:r>
               <a:rPr lang="en-GB" altLang="en-US" sz="2400" dirty="0"/>
-              <a:t>Example: comparing the number of leaves on 8 mutant and </a:t>
-            </a:r>
-            <a:r>
-              <a:rPr lang="en-GB" altLang="en-US" sz="2400" dirty="0" smtClean="0"/>
-              <a:t>wild </a:t>
-            </a:r>
-            <a:r>
-              <a:rPr lang="en-GB" altLang="en-US" sz="2400" dirty="0"/>
-              <a:t>type plants (small samples, counts)</a:t>
+              <a:t>Example: comparing the number of leaves on 8 mutant and wild type plants (small samples, counts)</a:t>
             </a:r>
           </a:p>
         </p:txBody>
@@ -28553,10 +27534,6 @@
             <a:r>
               <a:rPr lang="en-GB" altLang="en-US" sz="2800" dirty="0"/>
               <a:t>Non-parametric tests</a:t>
-            </a:r>
-            <a:r>
-              <a:rPr lang="en-GB" altLang="en-US" dirty="0"/>
-              <a:t/>
             </a:r>
             <a:br>
               <a:rPr lang="en-GB" altLang="en-US" dirty="0"/>
@@ -28601,13 +27578,6 @@
   <p:clrMapOvr>
     <a:masterClrMapping/>
   </p:clrMapOvr>
-  <p:timing>
-    <p:tnLst>
-      <p:par>
-        <p:cTn id="1" dur="indefinite" restart="never" nodeType="tmRoot"/>
-      </p:par>
-    </p:tnLst>
-  </p:timing>
 </p:sld>
 </file>
 
@@ -28694,10 +27664,6 @@
               <a:rPr lang="en-GB" altLang="en-US" sz="2800" dirty="0"/>
               <a:t>Non-parametric tests</a:t>
             </a:r>
-            <a:r>
-              <a:rPr lang="en-GB" altLang="en-US" dirty="0"/>
-              <a:t/>
-            </a:r>
             <a:br>
               <a:rPr lang="en-GB" altLang="en-US" dirty="0"/>
             </a:br>
@@ -28733,7 +27699,6 @@
               <a:rPr lang="en-GB" altLang="en-US" sz="2800" dirty="0"/>
               <a:t>Plot your data: roughly – perhaps one of these… </a:t>
             </a:r>
-            <a:endParaRPr lang="en-GB" altLang="en-US" sz="2800" dirty="0"/>
           </a:p>
         </p:txBody>
       </p:sp>
@@ -29137,13 +28102,6 @@
   <p:clrMapOvr>
     <a:masterClrMapping/>
   </p:clrMapOvr>
-  <p:timing>
-    <p:tnLst>
-      <p:par>
-        <p:cTn id="1" dur="indefinite" restart="never" nodeType="tmRoot"/>
-      </p:par>
-    </p:tnLst>
-  </p:timing>
 </p:sld>
 </file>
 
@@ -29230,10 +28188,6 @@
               <a:rPr lang="en-GB" altLang="en-US" sz="2800" dirty="0"/>
               <a:t>Non-parametric tests</a:t>
             </a:r>
-            <a:r>
-              <a:rPr lang="en-GB" altLang="en-US" dirty="0"/>
-              <a:t/>
-            </a:r>
             <a:br>
               <a:rPr lang="en-GB" altLang="en-US" dirty="0"/>
             </a:br>
@@ -29731,13 +28685,6 @@
   <p:clrMapOvr>
     <a:masterClrMapping/>
   </p:clrMapOvr>
-  <p:timing>
-    <p:tnLst>
-      <p:par>
-        <p:cTn id="1" dur="indefinite" restart="never" nodeType="tmRoot"/>
-      </p:par>
-    </p:tnLst>
-  </p:timing>
 </p:sld>
 </file>
 
@@ -29838,27 +28785,7 @@
                 <a:latin typeface="Lucida Console" panose="020B0609040504020204" pitchFamily="49" charset="0"/>
                 <a:cs typeface="Courier New" pitchFamily="49" charset="0"/>
               </a:rPr>
-              <a:t>, </a:t>
-            </a:r>
-            <a:r>
-              <a:rPr lang="en-US" sz="1600" kern="0" dirty="0">
-                <a:solidFill>
-                  <a:srgbClr val="3333FF"/>
-                </a:solidFill>
-                <a:latin typeface="Lucida Console" panose="020B0609040504020204" pitchFamily="49" charset="0"/>
-                <a:cs typeface="Courier New" pitchFamily="49" charset="0"/>
-              </a:rPr>
-              <a:t>leaves  ~ </a:t>
-            </a:r>
-            <a:r>
-              <a:rPr lang="en-US" sz="1600" kern="0" dirty="0" smtClean="0">
-                <a:solidFill>
-                  <a:srgbClr val="3333FF"/>
-                </a:solidFill>
-                <a:latin typeface="Lucida Console" panose="020B0609040504020204" pitchFamily="49" charset="0"/>
-                <a:cs typeface="Courier New" pitchFamily="49" charset="0"/>
-              </a:rPr>
-              <a:t>type)</a:t>
+              <a:t>, leaves  ~ type)</a:t>
             </a:r>
             <a:endParaRPr lang="en-GB" sz="1600" kern="0" dirty="0">
               <a:latin typeface="Lucida Console" panose="020B0609040504020204" pitchFamily="49" charset="0"/>
@@ -29973,14 +28900,7 @@
                 <a:latin typeface="Lucida Console" panose="020B0609040504020204" pitchFamily="49" charset="0"/>
                 <a:cs typeface="Courier New" pitchFamily="49" charset="0"/>
               </a:rPr>
-              <a:t>alternative hypothesis: true location shift is not equal to </a:t>
-            </a:r>
-            <a:r>
-              <a:rPr lang="en-US" sz="1600" kern="0" dirty="0" smtClean="0">
-                <a:latin typeface="Lucida Console" panose="020B0609040504020204" pitchFamily="49" charset="0"/>
-                <a:cs typeface="Courier New" pitchFamily="49" charset="0"/>
-              </a:rPr>
-              <a:t>0</a:t>
+              <a:t>alternative hypothesis: true location shift is not equal to 0</a:t>
             </a:r>
           </a:p>
           <a:p>
@@ -30227,10 +29147,6 @@
               <a:rPr lang="en-GB" altLang="en-US" sz="2800" dirty="0"/>
               <a:t>Non-parametric tests</a:t>
             </a:r>
-            <a:r>
-              <a:rPr lang="en-GB" altLang="en-US" dirty="0"/>
-              <a:t/>
-            </a:r>
             <a:br>
               <a:rPr lang="en-GB" altLang="en-US" dirty="0"/>
             </a:br>
@@ -30286,13 +29202,6 @@
   <p:clrMapOvr>
     <a:masterClrMapping/>
   </p:clrMapOvr>
-  <p:timing>
-    <p:tnLst>
-      <p:par>
-        <p:cTn id="1" dur="indefinite" restart="never" nodeType="tmRoot"/>
-      </p:par>
-    </p:tnLst>
-  </p:timing>
 </p:sld>
 </file>
 
@@ -30620,89 +29529,50 @@
                 <a:ea typeface="Verdana" pitchFamily="34" charset="0"/>
                 <a:cs typeface="Verdana" pitchFamily="34" charset="0"/>
               </a:rPr>
-              <a:t>There are significantly more leaves on wild-type (median = </a:t>
-            </a:r>
-            <a:r>
-              <a:rPr lang="en-GB" sz="3600" dirty="0" smtClean="0">
+              <a:t>There are significantly more leaves on wild-type (median = 8.5) than mutant (median = 5) plants (Mann-Whitney: W=5, n</a:t>
+            </a:r>
+            <a:r>
+              <a:rPr lang="en-GB" sz="3600" baseline="-25000" dirty="0">
                 <a:ea typeface="Verdana" pitchFamily="34" charset="0"/>
                 <a:cs typeface="Verdana" pitchFamily="34" charset="0"/>
               </a:rPr>
-              <a:t>8.5) </a:t>
+              <a:t>1</a:t>
             </a:r>
             <a:r>
               <a:rPr lang="en-GB" sz="3600" dirty="0">
                 <a:ea typeface="Verdana" pitchFamily="34" charset="0"/>
                 <a:cs typeface="Verdana" pitchFamily="34" charset="0"/>
               </a:rPr>
-              <a:t>than mutant (median = 5) plants (Mann-Whitney: W=5, </a:t>
-            </a:r>
-            <a:r>
-              <a:rPr lang="en-GB" sz="3600" dirty="0" smtClean="0">
+              <a:t>=8, n</a:t>
+            </a:r>
+            <a:r>
+              <a:rPr lang="en-GB" sz="3600" baseline="-25000" dirty="0">
                 <a:ea typeface="Verdana" pitchFamily="34" charset="0"/>
                 <a:cs typeface="Verdana" pitchFamily="34" charset="0"/>
               </a:rPr>
-              <a:t>n</a:t>
-            </a:r>
-            <a:r>
-              <a:rPr lang="en-GB" sz="3600" baseline="-25000" dirty="0" smtClean="0">
-                <a:ea typeface="Verdana" pitchFamily="34" charset="0"/>
-                <a:cs typeface="Verdana" pitchFamily="34" charset="0"/>
-              </a:rPr>
-              <a:t>1</a:t>
-            </a:r>
-            <a:r>
-              <a:rPr lang="en-GB" sz="3600" dirty="0" smtClean="0">
-                <a:ea typeface="Verdana" pitchFamily="34" charset="0"/>
-                <a:cs typeface="Verdana" pitchFamily="34" charset="0"/>
-              </a:rPr>
-              <a:t>=8, </a:t>
+              <a:t>2</a:t>
             </a:r>
             <a:r>
               <a:rPr lang="en-GB" sz="3600" dirty="0">
                 <a:ea typeface="Verdana" pitchFamily="34" charset="0"/>
                 <a:cs typeface="Verdana" pitchFamily="34" charset="0"/>
               </a:rPr>
-              <a:t>n</a:t>
-            </a:r>
-            <a:r>
-              <a:rPr lang="en-GB" sz="3600" baseline="-25000" dirty="0">
+              <a:t>=8, </a:t>
+            </a:r>
+            <a:r>
+              <a:rPr lang="en-GB" sz="3600" i="1" dirty="0">
                 <a:ea typeface="Verdana" pitchFamily="34" charset="0"/>
                 <a:cs typeface="Verdana" pitchFamily="34" charset="0"/>
               </a:rPr>
-              <a:t>2</a:t>
+              <a:t>p</a:t>
             </a:r>
             <a:r>
               <a:rPr lang="en-GB" sz="3600" dirty="0">
                 <a:ea typeface="Verdana" pitchFamily="34" charset="0"/>
                 <a:cs typeface="Verdana" pitchFamily="34" charset="0"/>
               </a:rPr>
-              <a:t>=8, </a:t>
-            </a:r>
-            <a:r>
-              <a:rPr lang="en-GB" sz="3600" i="1" dirty="0">
-                <a:ea typeface="Verdana" pitchFamily="34" charset="0"/>
-                <a:cs typeface="Verdana" pitchFamily="34" charset="0"/>
-              </a:rPr>
-              <a:t>p</a:t>
-            </a:r>
-            <a:r>
-              <a:rPr lang="en-GB" sz="3600" dirty="0">
-                <a:ea typeface="Verdana" pitchFamily="34" charset="0"/>
-                <a:cs typeface="Verdana" pitchFamily="34" charset="0"/>
-              </a:rPr>
-              <a:t> = </a:t>
-            </a:r>
-            <a:r>
-              <a:rPr lang="en-GB" sz="3600" dirty="0">
-                <a:ea typeface="Verdana" pitchFamily="34" charset="0"/>
-                <a:cs typeface="Verdana" pitchFamily="34" charset="0"/>
-              </a:rPr>
-              <a:t>0.005051)</a:t>
-            </a:r>
-            <a:endParaRPr lang="en-GB" sz="3600" dirty="0">
-              <a:ea typeface="Verdana" pitchFamily="34" charset="0"/>
-              <a:cs typeface="Verdana" pitchFamily="34" charset="0"/>
-            </a:endParaRPr>
+              <a:t> = 0.005051)</a:t>
+            </a:r>
           </a:p>
           <a:p>
             <a:pPr marL="38100" indent="0">
@@ -31023,10 +29893,6 @@
             <a:r>
               <a:rPr lang="en-GB" altLang="en-US" sz="2800" dirty="0"/>
               <a:t>Non-parametric tests</a:t>
-            </a:r>
-            <a:r>
-              <a:rPr lang="en-GB" altLang="en-US" dirty="0"/>
-              <a:t/>
             </a:r>
             <a:br>
               <a:rPr lang="en-GB" altLang="en-US" dirty="0"/>
@@ -31993,13 +30859,6 @@
   <p:clrMapOvr>
     <a:masterClrMapping/>
   </p:clrMapOvr>
-  <p:timing>
-    <p:tnLst>
-      <p:par>
-        <p:cTn id="1" dur="indefinite" restart="never" nodeType="tmRoot"/>
-      </p:par>
-    </p:tnLst>
-  </p:timing>
 </p:sld>
 </file>
 
@@ -33071,10 +31930,6 @@
               <a:rPr lang="en-GB" altLang="en-US" sz="2800" dirty="0"/>
               <a:t>Non-parametric tests</a:t>
             </a:r>
-            <a:r>
-              <a:rPr lang="en-GB" altLang="en-US" dirty="0"/>
-              <a:t/>
-            </a:r>
             <a:br>
               <a:rPr lang="en-GB" altLang="en-US" dirty="0"/>
             </a:br>
@@ -33095,13 +31950,6 @@
   <p:clrMapOvr>
     <a:masterClrMapping/>
   </p:clrMapOvr>
-  <p:timing>
-    <p:tnLst>
-      <p:par>
-        <p:cTn id="1" dur="indefinite" restart="never" nodeType="tmRoot"/>
-      </p:par>
-    </p:tnLst>
-  </p:timing>
 </p:sld>
 </file>
 
@@ -33197,18 +32045,13 @@
               <a:rPr lang="en-GB" altLang="en-US" sz="2800" dirty="0"/>
               <a:t>-tests</a:t>
             </a:r>
-            <a:r>
-              <a:rPr lang="en-GB" altLang="en-US" dirty="0"/>
-              <a:t/>
-            </a:r>
             <a:br>
               <a:rPr lang="en-GB" altLang="en-US" dirty="0"/>
             </a:br>
             <a:r>
-              <a:rPr lang="en-GB" altLang="en-US" dirty="0" smtClean="0"/>
+              <a:rPr lang="en-GB" altLang="en-US" dirty="0"/>
               <a:t>Wilcoxon- summary</a:t>
             </a:r>
-            <a:endParaRPr lang="en-GB" altLang="en-US" dirty="0"/>
           </a:p>
         </p:txBody>
       </p:sp>
@@ -33253,7 +32096,7 @@
               <a:defRPr/>
             </a:pPr>
             <a:r>
-              <a:rPr lang="en-GB" sz="3200" kern="0" dirty="0" smtClean="0"/>
+              <a:rPr lang="en-GB" sz="3200" kern="0" dirty="0"/>
               <a:t>Non-parametric</a:t>
             </a:r>
           </a:p>
@@ -33271,15 +32114,15 @@
               <a:defRPr/>
             </a:pPr>
             <a:r>
-              <a:rPr lang="en-GB" sz="3200" kern="0" dirty="0" smtClean="0"/>
+              <a:rPr lang="en-GB" sz="3200" kern="0" dirty="0"/>
               <a:t>when assumptions for </a:t>
             </a:r>
             <a:r>
-              <a:rPr lang="en-GB" sz="3200" i="1" kern="0" dirty="0" smtClean="0"/>
+              <a:rPr lang="en-GB" sz="3200" i="1" kern="0" dirty="0"/>
               <a:t>t</a:t>
             </a:r>
             <a:r>
-              <a:rPr lang="en-GB" sz="3200" kern="0" dirty="0" smtClean="0"/>
+              <a:rPr lang="en-GB" sz="3200" kern="0" dirty="0"/>
               <a:t>-test not met </a:t>
             </a:r>
           </a:p>
@@ -33297,22 +32140,9 @@
               <a:defRPr/>
             </a:pPr>
             <a:r>
-              <a:rPr lang="en-GB" sz="3200" kern="0" dirty="0" smtClean="0"/>
-              <a:t>To </a:t>
-            </a:r>
-            <a:r>
               <a:rPr lang="en-GB" sz="3200" kern="0" dirty="0"/>
-              <a:t>test whether </a:t>
-            </a:r>
-            <a:r>
-              <a:rPr lang="en-GB" sz="3200" kern="0" dirty="0" smtClean="0"/>
-              <a:t>the mean rank </a:t>
-            </a:r>
-            <a:r>
-              <a:rPr lang="en-GB" sz="3200" kern="0" dirty="0" smtClean="0"/>
-              <a:t>in one group differs from another</a:t>
-            </a:r>
-            <a:endParaRPr lang="en-GB" sz="3200" kern="0" dirty="0"/>
+              <a:t>To test whether the mean rank in one group differs from another</a:t>
+            </a:r>
           </a:p>
           <a:p>
             <a:pPr marL="457200" indent="-457200">
@@ -33320,75 +32150,60 @@
               <a:buChar char="•"/>
             </a:pPr>
             <a:r>
-              <a:rPr lang="en-GB" sz="3200" kern="0" dirty="0" smtClean="0"/>
+              <a:rPr lang="en-GB" sz="3200" kern="0" dirty="0"/>
               <a:t>Function in R:</a:t>
             </a:r>
           </a:p>
           <a:p>
             <a:pPr lvl="1"/>
             <a:r>
-              <a:rPr lang="en-US" kern="0" dirty="0" err="1" smtClean="0">
+              <a:rPr lang="en-US" kern="0" dirty="0" err="1">
                 <a:latin typeface="Lucida Console" panose="020B0609040504020204" pitchFamily="49" charset="0"/>
               </a:rPr>
               <a:t>wilcox.test</a:t>
-            </a:r>
-            <a:r>
-              <a:rPr lang="en-US" kern="0" dirty="0" smtClean="0">
-                <a:latin typeface="Lucida Console" panose="020B0609040504020204" pitchFamily="49" charset="0"/>
-              </a:rPr>
-              <a:t>(data </a:t>
             </a:r>
             <a:r>
               <a:rPr lang="en-US" kern="0" dirty="0">
                 <a:latin typeface="Lucida Console" panose="020B0609040504020204" pitchFamily="49" charset="0"/>
               </a:rPr>
-              <a:t>= </a:t>
-            </a:r>
-            <a:r>
-              <a:rPr lang="en-US" i="1" kern="0" dirty="0" err="1" smtClean="0">
+              <a:t>(data = </a:t>
+            </a:r>
+            <a:r>
+              <a:rPr lang="en-US" i="1" kern="0" dirty="0" err="1">
                 <a:latin typeface="Lucida Console" panose="020B0609040504020204" pitchFamily="49" charset="0"/>
               </a:rPr>
               <a:t>df</a:t>
-            </a:r>
-            <a:r>
-              <a:rPr lang="en-US" kern="0" dirty="0" smtClean="0">
-                <a:latin typeface="Lucida Console" panose="020B0609040504020204" pitchFamily="49" charset="0"/>
-              </a:rPr>
-              <a:t>, </a:t>
-            </a:r>
-            <a:r>
-              <a:rPr lang="en-US" i="1" kern="0" dirty="0" smtClean="0">
-                <a:latin typeface="Lucida Console" panose="020B0609040504020204" pitchFamily="49" charset="0"/>
-              </a:rPr>
-              <a:t>response</a:t>
-            </a:r>
-            <a:r>
-              <a:rPr lang="en-US" kern="0" dirty="0" smtClean="0">
-                <a:latin typeface="Lucida Console" panose="020B0609040504020204" pitchFamily="49" charset="0"/>
-              </a:rPr>
-              <a:t> </a:t>
             </a:r>
             <a:r>
               <a:rPr lang="en-US" kern="0" dirty="0">
                 <a:latin typeface="Lucida Console" panose="020B0609040504020204" pitchFamily="49" charset="0"/>
               </a:rPr>
-              <a:t>~ </a:t>
-            </a:r>
-            <a:r>
-              <a:rPr lang="en-US" i="1" kern="0" dirty="0" smtClean="0">
+              <a:t>, </a:t>
+            </a:r>
+            <a:r>
+              <a:rPr lang="en-US" i="1" kern="0" dirty="0">
                 <a:latin typeface="Lucida Console" panose="020B0609040504020204" pitchFamily="49" charset="0"/>
               </a:rPr>
+              <a:t>response</a:t>
+            </a:r>
+            <a:r>
+              <a:rPr lang="en-US" kern="0" dirty="0">
+                <a:latin typeface="Lucida Console" panose="020B0609040504020204" pitchFamily="49" charset="0"/>
+              </a:rPr>
+              <a:t> ~ </a:t>
+            </a:r>
+            <a:r>
+              <a:rPr lang="en-US" i="1" kern="0" dirty="0">
+                <a:latin typeface="Lucida Console" panose="020B0609040504020204" pitchFamily="49" charset="0"/>
+              </a:rPr>
               <a:t>explanatory</a:t>
             </a:r>
             <a:r>
-              <a:rPr lang="en-US" kern="0" dirty="0" smtClean="0">
+              <a:rPr lang="en-US" kern="0" dirty="0">
                 <a:latin typeface="Lucida Console" panose="020B0609040504020204" pitchFamily="49" charset="0"/>
               </a:rPr>
               <a:t>)</a:t>
             </a:r>
-            <a:endParaRPr lang="en-US" kern="0" dirty="0" smtClean="0">
-              <a:latin typeface="Lucida Console" panose="020B0609040504020204" pitchFamily="49" charset="0"/>
-            </a:endParaRPr>
           </a:p>
           <a:p>
             <a:pPr marL="457200" indent="-457200">
@@ -33396,15 +32211,15 @@
               <a:buChar char="•"/>
             </a:pPr>
             <a:r>
-              <a:rPr lang="en-US" sz="3200" kern="0" dirty="0" smtClean="0"/>
+              <a:rPr lang="en-US" sz="3200" kern="0" dirty="0"/>
               <a:t>If </a:t>
             </a:r>
             <a:r>
-              <a:rPr lang="en-US" sz="3200" i="1" kern="0" dirty="0" smtClean="0"/>
+              <a:rPr lang="en-US" sz="3200" i="1" kern="0" dirty="0"/>
               <a:t>p</a:t>
             </a:r>
             <a:r>
-              <a:rPr lang="en-US" sz="3200" kern="0" dirty="0" smtClean="0"/>
+              <a:rPr lang="en-US" sz="3200" kern="0" dirty="0"/>
               <a:t> &lt; 0.05 the test is significant</a:t>
             </a:r>
           </a:p>
@@ -33414,7 +32229,7 @@
               <a:buChar char="•"/>
             </a:pPr>
             <a:r>
-              <a:rPr lang="en-US" sz="3200" kern="0" dirty="0" smtClean="0"/>
+              <a:rPr lang="en-US" sz="3200" kern="0" dirty="0"/>
               <a:t>Few assumptions</a:t>
             </a:r>
           </a:p>
@@ -33424,21 +32239,16 @@
               <a:buChar char="•"/>
             </a:pPr>
             <a:r>
-              <a:rPr lang="en-GB" sz="3200" kern="0" dirty="0" smtClean="0"/>
-              <a:t>Figure: </a:t>
-            </a:r>
-            <a:r>
-              <a:rPr lang="en-GB" sz="3200" kern="0" dirty="0" smtClean="0"/>
-              <a:t>boxplot</a:t>
-            </a:r>
-            <a:endParaRPr lang="en-GB" sz="3200" kern="0" dirty="0" smtClean="0"/>
+              <a:rPr lang="en-GB" sz="3200" kern="0" dirty="0"/>
+              <a:t>Figure: boxplot</a:t>
+            </a:r>
           </a:p>
           <a:p>
             <a:pPr marL="457200" indent="-457200">
               <a:buFont typeface="Arial" panose="020B0604020202020204" pitchFamily="34" charset="0"/>
               <a:buChar char="•"/>
             </a:pPr>
-            <a:endParaRPr lang="en-GB" sz="3200" kern="0" dirty="0" smtClean="0"/>
+            <a:endParaRPr lang="en-GB" sz="3200" kern="0" dirty="0"/>
           </a:p>
           <a:p>
             <a:pPr>
@@ -33446,7 +32256,7 @@
               <a:buNone/>
             </a:pPr>
             <a:r>
-              <a:rPr lang="en-GB" sz="3200" kern="0" dirty="0" smtClean="0"/>
+              <a:rPr lang="en-GB" sz="3200" kern="0" dirty="0"/>
               <a:t> </a:t>
             </a:r>
             <a:endParaRPr lang="it-IT" altLang="en-US" sz="3200" dirty="0">
@@ -33469,13 +32279,6 @@
   <p:clrMapOvr>
     <a:masterClrMapping/>
   </p:clrMapOvr>
-  <p:timing>
-    <p:tnLst>
-      <p:par>
-        <p:cTn id="1" dur="indefinite" restart="never" nodeType="tmRoot"/>
-      </p:par>
-    </p:tnLst>
-  </p:timing>
 </p:sld>
 </file>
 
@@ -33512,10 +32315,9 @@
           <a:lstStyle/>
           <a:p>
             <a:r>
-              <a:rPr lang="en-GB" dirty="0" smtClean="0"/>
+              <a:rPr lang="en-GB" dirty="0"/>
               <a:t>Introduction to one- and two-sample tests</a:t>
             </a:r>
-            <a:endParaRPr lang="en-GB" dirty="0"/>
           </a:p>
         </p:txBody>
       </p:sp>
@@ -33535,10 +32337,9 @@
           <a:lstStyle/>
           <a:p>
             <a:r>
-              <a:rPr lang="en-GB" dirty="0" smtClean="0"/>
+              <a:rPr lang="en-GB" dirty="0"/>
               <a:t>Reminder</a:t>
             </a:r>
-            <a:endParaRPr lang="en-GB" dirty="0"/>
           </a:p>
         </p:txBody>
       </p:sp>
@@ -33576,13 +32377,6 @@
   <p:clrMapOvr>
     <a:masterClrMapping/>
   </p:clrMapOvr>
-  <p:timing>
-    <p:tnLst>
-      <p:par>
-        <p:cTn id="1" dur="indefinite" restart="never" nodeType="tmRoot"/>
-      </p:par>
-    </p:tnLst>
-  </p:timing>
 </p:sld>
 </file>
 
@@ -33687,13 +32481,8 @@
             </a:pPr>
             <a:r>
               <a:rPr lang="en-GB" altLang="en-US" sz="2000" dirty="0"/>
-              <a:t>Includes paired-sample test – compares the mean difference to </a:t>
-            </a:r>
-            <a:r>
-              <a:rPr lang="en-GB" altLang="en-US" sz="2000" dirty="0" smtClean="0"/>
-              <a:t>zero (i.e., compares dependent means)</a:t>
-            </a:r>
-            <a:endParaRPr lang="en-GB" altLang="en-US" sz="2000" dirty="0"/>
+              <a:t>Includes paired-sample test – compares the mean difference to zero (i.e., compares dependent means)</a:t>
+            </a:r>
           </a:p>
           <a:p>
             <a:pPr eaLnBrk="1" hangingPunct="1"/>
@@ -33767,13 +32556,6 @@
   <p:clrMapOvr>
     <a:masterClrMapping/>
   </p:clrMapOvr>
-  <p:timing>
-    <p:tnLst>
-      <p:par>
-        <p:cTn id="1" dur="indefinite" restart="never" nodeType="tmRoot"/>
-      </p:par>
-    </p:tnLst>
-  </p:timing>
 </p:sld>
 </file>
 
@@ -33822,10 +32604,6 @@
               <a:rPr lang="en-GB" altLang="en-US" sz="2800" dirty="0"/>
               <a:t>-tests in general</a:t>
             </a:r>
-            <a:r>
-              <a:rPr lang="en-GB" altLang="en-US" dirty="0"/>
-              <a:t/>
-            </a:r>
             <a:br>
               <a:rPr lang="en-GB" altLang="en-US" dirty="0"/>
             </a:br>
@@ -33875,19 +32653,7 @@
             </a:r>
             <a:r>
               <a:rPr lang="en-GB" dirty="0"/>
-              <a:t>-tests assume </a:t>
-            </a:r>
-            <a:r>
-              <a:rPr lang="en-GB" dirty="0" smtClean="0"/>
-              <a:t>the “residuals” are normally distributed</a:t>
-            </a:r>
-            <a:r>
-              <a:rPr lang="en-GB" dirty="0"/>
-              <a:t> </a:t>
-            </a:r>
-            <a:r>
-              <a:rPr lang="en-GB" dirty="0" smtClean="0"/>
-              <a:t>and have homogeneity of variance</a:t>
+              <a:t>-tests assume the “residuals” are normally distributed and have homogeneity of variance</a:t>
             </a:r>
           </a:p>
           <a:p>
@@ -33899,7 +32665,7 @@
               <a:defRPr/>
             </a:pPr>
             <a:r>
-              <a:rPr lang="en-GB" dirty="0" smtClean="0"/>
+              <a:rPr lang="en-GB" dirty="0"/>
               <a:t>A residual is the difference between the predicted and observed value</a:t>
             </a:r>
           </a:p>
@@ -33912,10 +32678,9 @@
               <a:defRPr/>
             </a:pPr>
             <a:r>
-              <a:rPr lang="en-GB" dirty="0" smtClean="0"/>
+              <a:rPr lang="en-GB" dirty="0"/>
               <a:t>Predicted value is the mean / group mean</a:t>
             </a:r>
-            <a:endParaRPr lang="en-GB" dirty="0"/>
           </a:p>
         </p:txBody>
       </p:sp>
@@ -33958,13 +32723,6 @@
   <p:clrMapOvr>
     <a:masterClrMapping/>
   </p:clrMapOvr>
-  <p:timing>
-    <p:tnLst>
-      <p:par>
-        <p:cTn id="1" dur="indefinite" restart="never" nodeType="tmRoot"/>
-      </p:par>
-    </p:tnLst>
-  </p:timing>
 </p:sld>
 </file>
 
@@ -34014,19 +32772,9 @@
               <a:defRPr/>
             </a:pPr>
             <a:r>
-              <a:rPr lang="en-GB" dirty="0" smtClean="0"/>
-              <a:t>Two </a:t>
-            </a:r>
-            <a:r>
               <a:rPr lang="en-GB" dirty="0"/>
-              <a:t>samples but values are not independent (could not reorder)</a:t>
-            </a:r>
-          </a:p>
-          <a:p>
-            <a:pPr eaLnBrk="1" hangingPunct="1">
-              <a:defRPr/>
-            </a:pPr>
-            <a:endParaRPr lang="en-GB" dirty="0" smtClean="0"/>
+              <a:t>Two samples but values are not independent (could not reorder)</a:t>
+            </a:r>
           </a:p>
           <a:p>
             <a:pPr eaLnBrk="1" hangingPunct="1">
@@ -34038,7 +32786,7 @@
             <a:pPr eaLnBrk="1" hangingPunct="1">
               <a:defRPr/>
             </a:pPr>
-            <a:endParaRPr lang="en-GB" dirty="0" smtClean="0"/>
+            <a:endParaRPr lang="en-GB" dirty="0"/>
           </a:p>
           <a:p>
             <a:pPr eaLnBrk="1" hangingPunct="1">
@@ -34047,11 +32795,17 @@
             <a:endParaRPr lang="en-GB" dirty="0"/>
           </a:p>
           <a:p>
+            <a:pPr eaLnBrk="1" hangingPunct="1">
+              <a:defRPr/>
+            </a:pPr>
+            <a:endParaRPr lang="en-GB" dirty="0"/>
+          </a:p>
+          <a:p>
             <a:pPr marL="0" indent="0" eaLnBrk="1" hangingPunct="1">
               <a:buNone/>
               <a:defRPr/>
             </a:pPr>
-            <a:endParaRPr lang="en-GB" dirty="0" smtClean="0"/>
+            <a:endParaRPr lang="en-GB" dirty="0"/>
           </a:p>
           <a:p>
             <a:pPr marL="0" indent="0" eaLnBrk="1" hangingPunct="1">
@@ -34059,10 +32813,9 @@
               <a:defRPr/>
             </a:pPr>
             <a:r>
-              <a:rPr lang="en-GB" dirty="0" smtClean="0"/>
+              <a:rPr lang="en-GB" dirty="0"/>
               <a:t>Actually a one-sample test</a:t>
             </a:r>
-            <a:endParaRPr lang="en-GB" dirty="0"/>
           </a:p>
           <a:p>
             <a:pPr eaLnBrk="1" hangingPunct="1">
@@ -34174,10 +32927,6 @@
               <a:rPr lang="en-GB" altLang="en-US" sz="2800" dirty="0"/>
               <a:t>-tests</a:t>
             </a:r>
-            <a:r>
-              <a:rPr lang="en-GB" altLang="en-US" dirty="0"/>
-              <a:t/>
-            </a:r>
             <a:br>
               <a:rPr lang="en-GB" altLang="en-US" dirty="0"/>
             </a:br>
@@ -34206,13 +32955,6 @@
   <p:clrMapOvr>
     <a:masterClrMapping/>
   </p:clrMapOvr>
-  <p:timing>
-    <p:tnLst>
-      <p:par>
-        <p:cTn id="1" dur="indefinite" restart="never" nodeType="tmRoot"/>
-      </p:par>
-    </p:tnLst>
-  </p:timing>
 </p:sld>
 </file>
 
@@ -34258,42 +33000,30 @@
             <a:pPr algn="l"/>
             <a:r>
               <a:rPr lang="en-GB" altLang="en-US" sz="3600" dirty="0"/>
-              <a:t>Is there a difference between the maths and stats marks of </a:t>
-            </a:r>
-            <a:r>
-              <a:rPr lang="en-GB" altLang="en-US" sz="3600" dirty="0" smtClean="0"/>
-              <a:t>10 students?</a:t>
-            </a:r>
-            <a:br>
-              <a:rPr lang="en-GB" altLang="en-US" sz="3600" dirty="0" smtClean="0"/>
-            </a:br>
-            <a:r>
-              <a:rPr lang="en-GB" altLang="en-US" sz="3600" dirty="0"/>
-              <a:t/>
+              <a:t>Is there a difference between the maths and stats marks of 10 students?</a:t>
             </a:r>
             <a:br>
               <a:rPr lang="en-GB" altLang="en-US" sz="3600" dirty="0"/>
             </a:br>
-            <a:r>
-              <a:rPr lang="en-GB" altLang="en-US" sz="3600" dirty="0" smtClean="0"/>
-              <a:t>The one sample is the difference between the pairs of values</a:t>
-            </a:r>
-            <a:br>
-              <a:rPr lang="en-GB" altLang="en-US" sz="3600" dirty="0" smtClean="0"/>
-            </a:br>
-            <a:r>
-              <a:rPr lang="en-GB" altLang="en-US" sz="3600" dirty="0"/>
-              <a:t/>
-            </a:r>
             <a:br>
               <a:rPr lang="en-GB" altLang="en-US" sz="3600" dirty="0"/>
             </a:br>
             <a:r>
-              <a:rPr lang="en-GB" altLang="en-US" sz="3600" dirty="0" err="1" smtClean="0"/>
+              <a:rPr lang="en-GB" altLang="en-US" sz="3600" dirty="0"/>
+              <a:t>The one sample is the difference between the pairs of values</a:t>
+            </a:r>
+            <a:br>
+              <a:rPr lang="en-GB" altLang="en-US" sz="3600" dirty="0"/>
+            </a:br>
+            <a:br>
+              <a:rPr lang="en-GB" altLang="en-US" sz="3600" dirty="0"/>
+            </a:br>
+            <a:r>
+              <a:rPr lang="en-GB" altLang="en-US" sz="3600" dirty="0" err="1"/>
               <a:t>n.b.</a:t>
             </a:r>
             <a:r>
-              <a:rPr lang="en-GB" altLang="en-US" sz="3600" dirty="0" smtClean="0"/>
+              <a:rPr lang="en-GB" altLang="en-US" sz="3600" dirty="0"/>
               <a:t> tidy data</a:t>
             </a:r>
             <a:endParaRPr lang="en-GB" altLang="en-US" sz="3600" dirty="0">
@@ -34605,10 +33335,6 @@
             <a:r>
               <a:rPr lang="en-GB" altLang="en-US" sz="2800" dirty="0"/>
               <a:t>-tests</a:t>
-            </a:r>
-            <a:r>
-              <a:rPr lang="en-GB" altLang="en-US" dirty="0"/>
-              <a:t/>
             </a:r>
             <a:br>
               <a:rPr lang="en-GB" altLang="en-US" dirty="0"/>
@@ -34767,7 +33493,7 @@
           <a:p>
             <a:pPr algn="l"/>
             <a:r>
-              <a:rPr lang="en-GB" altLang="en-US" sz="3600" dirty="0" smtClean="0"/>
+              <a:rPr lang="en-GB" altLang="en-US" sz="3600" dirty="0"/>
               <a:t>Same student</a:t>
             </a:r>
             <a:endParaRPr lang="en-GB" altLang="en-US" sz="3600" dirty="0">
@@ -34788,13 +33514,6 @@
   <p:clrMapOvr>
     <a:masterClrMapping/>
   </p:clrMapOvr>
-  <p:timing>
-    <p:tnLst>
-      <p:par>
-        <p:cTn id="1" dur="indefinite" restart="never" nodeType="tmRoot"/>
-      </p:par>
-    </p:tnLst>
-  </p:timing>
 </p:sld>
 </file>
 
